--- a/Documentation/Presentation.pptx
+++ b/Documentation/Presentation.pptx
@@ -18,32 +18,33 @@
     <p:sldId id="294" r:id="rId12"/>
     <p:sldId id="263" r:id="rId13"/>
     <p:sldId id="291" r:id="rId14"/>
-    <p:sldId id="264" r:id="rId15"/>
-    <p:sldId id="265" r:id="rId16"/>
-    <p:sldId id="266" r:id="rId17"/>
-    <p:sldId id="267" r:id="rId18"/>
-    <p:sldId id="272" r:id="rId19"/>
-    <p:sldId id="273" r:id="rId20"/>
-    <p:sldId id="274" r:id="rId21"/>
-    <p:sldId id="277" r:id="rId22"/>
-    <p:sldId id="278" r:id="rId23"/>
-    <p:sldId id="279" r:id="rId24"/>
-    <p:sldId id="275" r:id="rId25"/>
-    <p:sldId id="280" r:id="rId26"/>
-    <p:sldId id="281" r:id="rId27"/>
-    <p:sldId id="282" r:id="rId28"/>
-    <p:sldId id="283" r:id="rId29"/>
-    <p:sldId id="284" r:id="rId30"/>
-    <p:sldId id="276" r:id="rId31"/>
-    <p:sldId id="285" r:id="rId32"/>
-    <p:sldId id="286" r:id="rId33"/>
-    <p:sldId id="287" r:id="rId34"/>
-    <p:sldId id="288" r:id="rId35"/>
-    <p:sldId id="289" r:id="rId36"/>
-    <p:sldId id="290" r:id="rId37"/>
-    <p:sldId id="268" r:id="rId38"/>
-    <p:sldId id="269" r:id="rId39"/>
-    <p:sldId id="270" r:id="rId40"/>
+    <p:sldId id="295" r:id="rId15"/>
+    <p:sldId id="264" r:id="rId16"/>
+    <p:sldId id="265" r:id="rId17"/>
+    <p:sldId id="266" r:id="rId18"/>
+    <p:sldId id="267" r:id="rId19"/>
+    <p:sldId id="272" r:id="rId20"/>
+    <p:sldId id="273" r:id="rId21"/>
+    <p:sldId id="274" r:id="rId22"/>
+    <p:sldId id="277" r:id="rId23"/>
+    <p:sldId id="278" r:id="rId24"/>
+    <p:sldId id="279" r:id="rId25"/>
+    <p:sldId id="275" r:id="rId26"/>
+    <p:sldId id="280" r:id="rId27"/>
+    <p:sldId id="281" r:id="rId28"/>
+    <p:sldId id="282" r:id="rId29"/>
+    <p:sldId id="283" r:id="rId30"/>
+    <p:sldId id="284" r:id="rId31"/>
+    <p:sldId id="276" r:id="rId32"/>
+    <p:sldId id="285" r:id="rId33"/>
+    <p:sldId id="286" r:id="rId34"/>
+    <p:sldId id="287" r:id="rId35"/>
+    <p:sldId id="288" r:id="rId36"/>
+    <p:sldId id="289" r:id="rId37"/>
+    <p:sldId id="290" r:id="rId38"/>
+    <p:sldId id="268" r:id="rId39"/>
+    <p:sldId id="269" r:id="rId40"/>
+    <p:sldId id="270" r:id="rId41"/>
   </p:sldIdLst>
   <p:sldSz cx="12192000" cy="6858000"/>
   <p:notesSz cx="6858000" cy="9144000"/>
@@ -339,7 +340,7 @@
             <a:fld id="{B61BEF0D-F0BB-DE4B-95CE-6DB70DBA9567}" type="datetimeFigureOut">
               <a:rPr lang="en-US" dirty="0"/>
               <a:pPr/>
-              <a:t>3/29/2021</a:t>
+              <a:t>5/7/2021</a:t>
             </a:fld>
             <a:endParaRPr lang="en-US" dirty="0"/>
           </a:p>
@@ -674,7 +675,7 @@
             <a:fld id="{B61BEF0D-F0BB-DE4B-95CE-6DB70DBA9567}" type="datetimeFigureOut">
               <a:rPr lang="en-US" dirty="0"/>
               <a:pPr/>
-              <a:t>3/29/2021</a:t>
+              <a:t>5/7/2021</a:t>
             </a:fld>
             <a:endParaRPr lang="en-US" dirty="0"/>
           </a:p>
@@ -1072,7 +1073,7 @@
             <a:fld id="{B61BEF0D-F0BB-DE4B-95CE-6DB70DBA9567}" type="datetimeFigureOut">
               <a:rPr lang="en-US" dirty="0"/>
               <a:pPr/>
-              <a:t>3/29/2021</a:t>
+              <a:t>5/7/2021</a:t>
             </a:fld>
             <a:endParaRPr lang="en-US" dirty="0"/>
           </a:p>
@@ -1405,7 +1406,7 @@
             <a:fld id="{B61BEF0D-F0BB-DE4B-95CE-6DB70DBA9567}" type="datetimeFigureOut">
               <a:rPr lang="en-US" dirty="0"/>
               <a:pPr/>
-              <a:t>3/29/2021</a:t>
+              <a:t>5/7/2021</a:t>
             </a:fld>
             <a:endParaRPr lang="en-US" dirty="0"/>
           </a:p>
@@ -1722,7 +1723,7 @@
             <a:fld id="{B61BEF0D-F0BB-DE4B-95CE-6DB70DBA9567}" type="datetimeFigureOut">
               <a:rPr lang="en-US" dirty="0"/>
               <a:pPr/>
-              <a:t>3/29/2021</a:t>
+              <a:t>5/7/2021</a:t>
             </a:fld>
             <a:endParaRPr lang="en-US" dirty="0"/>
           </a:p>
@@ -2115,7 +2116,7 @@
             <a:fld id="{B61BEF0D-F0BB-DE4B-95CE-6DB70DBA9567}" type="datetimeFigureOut">
               <a:rPr lang="en-US" dirty="0"/>
               <a:pPr/>
-              <a:t>3/29/2021</a:t>
+              <a:t>5/7/2021</a:t>
             </a:fld>
             <a:endParaRPr lang="en-US" dirty="0"/>
           </a:p>
@@ -2369,7 +2370,7 @@
             <a:fld id="{B61BEF0D-F0BB-DE4B-95CE-6DB70DBA9567}" type="datetimeFigureOut">
               <a:rPr lang="en-US" dirty="0"/>
               <a:pPr/>
-              <a:t>3/29/2021</a:t>
+              <a:t>5/7/2021</a:t>
             </a:fld>
             <a:endParaRPr lang="en-US" dirty="0"/>
           </a:p>
@@ -2628,7 +2629,7 @@
             <a:fld id="{B61BEF0D-F0BB-DE4B-95CE-6DB70DBA9567}" type="datetimeFigureOut">
               <a:rPr lang="en-US" dirty="0"/>
               <a:pPr/>
-              <a:t>3/29/2021</a:t>
+              <a:t>5/7/2021</a:t>
             </a:fld>
             <a:endParaRPr lang="en-US" dirty="0"/>
           </a:p>
@@ -2887,7 +2888,7 @@
             <a:fld id="{B61BEF0D-F0BB-DE4B-95CE-6DB70DBA9567}" type="datetimeFigureOut">
               <a:rPr lang="en-US" dirty="0"/>
               <a:pPr/>
-              <a:t>3/29/2021</a:t>
+              <a:t>5/7/2021</a:t>
             </a:fld>
             <a:endParaRPr lang="en-US" dirty="0"/>
           </a:p>
@@ -3213,7 +3214,7 @@
             <a:fld id="{B61BEF0D-F0BB-DE4B-95CE-6DB70DBA9567}" type="datetimeFigureOut">
               <a:rPr lang="en-US" dirty="0"/>
               <a:pPr/>
-              <a:t>3/29/2021</a:t>
+              <a:t>5/7/2021</a:t>
             </a:fld>
             <a:endParaRPr lang="en-US" dirty="0"/>
           </a:p>
@@ -3533,7 +3534,7 @@
             <a:fld id="{B61BEF0D-F0BB-DE4B-95CE-6DB70DBA9567}" type="datetimeFigureOut">
               <a:rPr lang="en-US" dirty="0"/>
               <a:pPr/>
-              <a:t>3/29/2021</a:t>
+              <a:t>5/7/2021</a:t>
             </a:fld>
             <a:endParaRPr lang="en-US" dirty="0"/>
           </a:p>
@@ -3987,7 +3988,7 @@
             <a:fld id="{B61BEF0D-F0BB-DE4B-95CE-6DB70DBA9567}" type="datetimeFigureOut">
               <a:rPr lang="en-US" dirty="0"/>
               <a:pPr/>
-              <a:t>3/29/2021</a:t>
+              <a:t>5/7/2021</a:t>
             </a:fld>
             <a:endParaRPr lang="en-US" dirty="0"/>
           </a:p>
@@ -4189,7 +4190,7 @@
             <a:fld id="{B61BEF0D-F0BB-DE4B-95CE-6DB70DBA9567}" type="datetimeFigureOut">
               <a:rPr lang="en-US" dirty="0"/>
               <a:pPr/>
-              <a:t>3/29/2021</a:t>
+              <a:t>5/7/2021</a:t>
             </a:fld>
             <a:endParaRPr lang="en-US" dirty="0"/>
           </a:p>
@@ -4363,7 +4364,7 @@
             <a:fld id="{B61BEF0D-F0BB-DE4B-95CE-6DB70DBA9567}" type="datetimeFigureOut">
               <a:rPr lang="en-US" dirty="0"/>
               <a:pPr/>
-              <a:t>3/29/2021</a:t>
+              <a:t>5/7/2021</a:t>
             </a:fld>
             <a:endParaRPr lang="en-US" dirty="0"/>
           </a:p>
@@ -4693,7 +4694,7 @@
             <a:fld id="{B61BEF0D-F0BB-DE4B-95CE-6DB70DBA9567}" type="datetimeFigureOut">
               <a:rPr lang="en-US" dirty="0"/>
               <a:pPr/>
-              <a:t>3/29/2021</a:t>
+              <a:t>5/7/2021</a:t>
             </a:fld>
             <a:endParaRPr lang="en-US" dirty="0"/>
           </a:p>
@@ -5035,7 +5036,7 @@
             <a:fld id="{B61BEF0D-F0BB-DE4B-95CE-6DB70DBA9567}" type="datetimeFigureOut">
               <a:rPr lang="en-US" dirty="0"/>
               <a:pPr/>
-              <a:t>3/29/2021</a:t>
+              <a:t>5/7/2021</a:t>
             </a:fld>
             <a:endParaRPr lang="en-US" dirty="0"/>
           </a:p>
@@ -7086,7 +7087,7 @@
             <a:fld id="{B61BEF0D-F0BB-DE4B-95CE-6DB70DBA9567}" type="datetimeFigureOut">
               <a:rPr lang="en-US" dirty="0"/>
               <a:pPr/>
-              <a:t>3/29/2021</a:t>
+              <a:t>5/7/2021</a:t>
             </a:fld>
             <a:endParaRPr lang="en-US" dirty="0"/>
           </a:p>
@@ -7629,11 +7630,7 @@
             </a:r>
             <a:r>
               <a:rPr lang="en-US" dirty="0" smtClean="0"/>
-              <a:t> </a:t>
-            </a:r>
-            <a:r>
-              <a:rPr lang="en-US" dirty="0" smtClean="0"/>
-              <a:t>Project</a:t>
+              <a:t> Project</a:t>
             </a:r>
             <a:br>
               <a:rPr lang="en-US" dirty="0" smtClean="0"/>
@@ -8343,7 +8340,11 @@
             <a:pPr algn="ctr"/>
             <a:r>
               <a:rPr lang="en-US" sz="2000" dirty="0" smtClean="0"/>
-              <a:t>Home Page</a:t>
+              <a:t>Home </a:t>
+            </a:r>
+            <a:r>
+              <a:rPr lang="en-US" sz="2000" dirty="0" smtClean="0"/>
+              <a:t>Page (Web View)</a:t>
             </a:r>
             <a:endParaRPr lang="en-US" sz="2000" dirty="0"/>
           </a:p>
@@ -8431,18 +8432,18 @@
       </p:grpSpPr>
       <p:sp>
         <p:nvSpPr>
-          <p:cNvPr id="3" name="Content Placeholder 2"/>
-          <p:cNvSpPr>
-            <a:spLocks noGrp="1"/>
-          </p:cNvSpPr>
-          <p:nvPr>
-            <p:ph idx="1"/>
+          <p:cNvPr id="2" name="Title 1"/>
+          <p:cNvSpPr>
+            <a:spLocks noGrp="1"/>
+          </p:cNvSpPr>
+          <p:nvPr>
+            <p:ph type="title"/>
           </p:nvPr>
         </p:nvSpPr>
         <p:spPr>
           <a:xfrm>
-            <a:off x="0" y="639651"/>
-            <a:ext cx="12192000" cy="442175"/>
+            <a:off x="1833071" y="2401393"/>
+            <a:ext cx="5134399" cy="4076679"/>
           </a:xfrm>
         </p:spPr>
         <p:txBody>
@@ -8451,24 +8452,23 @@
           </a:bodyPr>
           <a:lstStyle/>
           <a:p>
-            <a:pPr marL="0" indent="0" algn="ctr">
-              <a:buNone/>
-            </a:pPr>
-            <a:r>
-              <a:rPr lang="en-US" sz="2000" dirty="0" smtClean="0"/>
-              <a:t>Login Page</a:t>
-            </a:r>
-            <a:endParaRPr lang="en-US" sz="2000" dirty="0"/>
+            <a:r>
+              <a:rPr lang="en-US" sz="2500" dirty="0" smtClean="0"/>
+              <a:t>You can see this is the mobile of this project and also complete project are creating into the multiple platform hear</a:t>
+            </a:r>
+            <a:endParaRPr lang="en-US" sz="2500" dirty="0"/>
           </a:p>
         </p:txBody>
       </p:sp>
       <p:pic>
         <p:nvPicPr>
-          <p:cNvPr id="5" name="Picture 4"/>
+          <p:cNvPr id="4" name="Content Placeholder 3"/>
           <p:cNvPicPr>
-            <a:picLocks noChangeAspect="1"/>
+            <a:picLocks noGrp="1" noChangeAspect="1"/>
           </p:cNvPicPr>
-          <p:nvPr/>
+          <p:nvPr>
+            <p:ph idx="1"/>
+          </p:nvPr>
         </p:nvPicPr>
         <p:blipFill>
           <a:blip r:embed="rId2"/>
@@ -8478,18 +8478,123 @@
         </p:blipFill>
         <p:spPr>
           <a:xfrm>
-            <a:off x="0" y="1288594"/>
-            <a:ext cx="12192000" cy="5569406"/>
+            <a:off x="8315459" y="1"/>
+            <a:ext cx="3876541" cy="6858000"/>
           </a:xfrm>
           <a:prstGeom prst="rect">
             <a:avLst/>
           </a:prstGeom>
         </p:spPr>
       </p:pic>
+      <p:sp>
+        <p:nvSpPr>
+          <p:cNvPr id="5" name="Title 1"/>
+          <p:cNvSpPr txBox="1">
+            <a:spLocks/>
+          </p:cNvSpPr>
+          <p:nvPr/>
+        </p:nvSpPr>
+        <p:spPr>
+          <a:xfrm>
+            <a:off x="2745325" y="776510"/>
+            <a:ext cx="5134399" cy="1280890"/>
+          </a:xfrm>
+          <a:prstGeom prst="rect">
+            <a:avLst/>
+          </a:prstGeom>
+        </p:spPr>
+        <p:txBody>
+          <a:bodyPr vert="horz" lIns="91440" tIns="45720" rIns="91440" bIns="45720" rtlCol="0" anchor="t">
+            <a:normAutofit/>
+          </a:bodyPr>
+          <a:lstStyle>
+            <a:lvl1pPr algn="l" defTabSz="457200" rtl="0" eaLnBrk="1" latinLnBrk="0" hangingPunct="1">
+              <a:spcBef>
+                <a:spcPct val="0"/>
+              </a:spcBef>
+              <a:buNone/>
+              <a:defRPr sz="3600" kern="1200">
+                <a:solidFill>
+                  <a:schemeClr val="tx1">
+                    <a:lumMod val="85000"/>
+                    <a:lumOff val="15000"/>
+                  </a:schemeClr>
+                </a:solidFill>
+                <a:latin typeface="+mj-lt"/>
+                <a:ea typeface="+mj-ea"/>
+                <a:cs typeface="+mj-cs"/>
+              </a:defRPr>
+            </a:lvl1pPr>
+            <a:lvl2pPr eaLnBrk="1" hangingPunct="1">
+              <a:defRPr>
+                <a:solidFill>
+                  <a:schemeClr val="tx2"/>
+                </a:solidFill>
+              </a:defRPr>
+            </a:lvl2pPr>
+            <a:lvl3pPr eaLnBrk="1" hangingPunct="1">
+              <a:defRPr>
+                <a:solidFill>
+                  <a:schemeClr val="tx2"/>
+                </a:solidFill>
+              </a:defRPr>
+            </a:lvl3pPr>
+            <a:lvl4pPr eaLnBrk="1" hangingPunct="1">
+              <a:defRPr>
+                <a:solidFill>
+                  <a:schemeClr val="tx2"/>
+                </a:solidFill>
+              </a:defRPr>
+            </a:lvl4pPr>
+            <a:lvl5pPr eaLnBrk="1" hangingPunct="1">
+              <a:defRPr>
+                <a:solidFill>
+                  <a:schemeClr val="tx2"/>
+                </a:solidFill>
+              </a:defRPr>
+            </a:lvl5pPr>
+            <a:lvl6pPr eaLnBrk="1" hangingPunct="1">
+              <a:defRPr>
+                <a:solidFill>
+                  <a:schemeClr val="tx2"/>
+                </a:solidFill>
+              </a:defRPr>
+            </a:lvl6pPr>
+            <a:lvl7pPr eaLnBrk="1" hangingPunct="1">
+              <a:defRPr>
+                <a:solidFill>
+                  <a:schemeClr val="tx2"/>
+                </a:solidFill>
+              </a:defRPr>
+            </a:lvl7pPr>
+            <a:lvl8pPr eaLnBrk="1" hangingPunct="1">
+              <a:defRPr>
+                <a:solidFill>
+                  <a:schemeClr val="tx2"/>
+                </a:solidFill>
+              </a:defRPr>
+            </a:lvl8pPr>
+            <a:lvl9pPr eaLnBrk="1" hangingPunct="1">
+              <a:defRPr>
+                <a:solidFill>
+                  <a:schemeClr val="tx2"/>
+                </a:solidFill>
+              </a:defRPr>
+            </a:lvl9pPr>
+          </a:lstStyle>
+          <a:p>
+            <a:r>
+              <a:rPr lang="en-US" dirty="0" smtClean="0"/>
+              <a:t>Home Page ( Mobile View )</a:t>
+            </a:r>
+            <a:endParaRPr lang="en-US" dirty="0"/>
+          </a:p>
+        </p:txBody>
+      </p:sp>
     </p:spTree>
     <p:extLst>
       <p:ext uri="{BB962C8B-B14F-4D97-AF65-F5344CB8AC3E}">
-        <p14:creationId xmlns:p14="http://schemas.microsoft.com/office/powerpoint/2010/main" val="3911398785"/>
+        <p14:creationId xmlns:p14="http://schemas.microsoft.com/office/powerpoint/2010/main" val="3288746089"/>
       </p:ext>
     </p:extLst>
   </p:cSld>
@@ -8535,8 +8640,8 @@
         </p:nvSpPr>
         <p:spPr>
           <a:xfrm>
-            <a:off x="0" y="704044"/>
-            <a:ext cx="12192000" cy="403538"/>
+            <a:off x="0" y="639651"/>
+            <a:ext cx="12192000" cy="442175"/>
           </a:xfrm>
         </p:spPr>
         <p:txBody>
@@ -8550,7 +8655,7 @@
             </a:pPr>
             <a:r>
               <a:rPr lang="en-US" sz="2000" dirty="0" smtClean="0"/>
-              <a:t>Registration Page</a:t>
+              <a:t>Login Page</a:t>
             </a:r>
             <a:endParaRPr lang="en-US" sz="2000" dirty="0"/>
           </a:p>
@@ -8558,28 +8663,22 @@
       </p:sp>
       <p:pic>
         <p:nvPicPr>
-          <p:cNvPr id="4" name="Picture 3"/>
+          <p:cNvPr id="5" name="Picture 4"/>
           <p:cNvPicPr>
             <a:picLocks noChangeAspect="1"/>
           </p:cNvPicPr>
           <p:nvPr/>
         </p:nvPicPr>
         <p:blipFill>
-          <a:blip r:embed="rId2">
-            <a:extLst>
-              <a:ext uri="{28A0092B-C50C-407E-A947-70E740481C1C}">
-                <a14:useLocalDpi xmlns:a14="http://schemas.microsoft.com/office/drawing/2010/main" val="0"/>
-              </a:ext>
-            </a:extLst>
-          </a:blip>
+          <a:blip r:embed="rId2"/>
           <a:stretch>
             <a:fillRect/>
           </a:stretch>
         </p:blipFill>
         <p:spPr>
           <a:xfrm>
-            <a:off x="0" y="1300765"/>
-            <a:ext cx="12192000" cy="5557233"/>
+            <a:off x="0" y="1288594"/>
+            <a:ext cx="12192000" cy="5569406"/>
           </a:xfrm>
           <a:prstGeom prst="rect">
             <a:avLst/>
@@ -8589,7 +8688,7 @@
     </p:spTree>
     <p:extLst>
       <p:ext uri="{BB962C8B-B14F-4D97-AF65-F5344CB8AC3E}">
-        <p14:creationId xmlns:p14="http://schemas.microsoft.com/office/powerpoint/2010/main" val="3479187651"/>
+        <p14:creationId xmlns:p14="http://schemas.microsoft.com/office/powerpoint/2010/main" val="3911398785"/>
       </p:ext>
     </p:extLst>
   </p:cSld>
@@ -8635,26 +8734,24 @@
         </p:nvSpPr>
         <p:spPr>
           <a:xfrm>
-            <a:off x="0" y="716924"/>
-            <a:ext cx="12192000" cy="506569"/>
-          </a:xfrm>
-        </p:spPr>
-        <p:txBody>
-          <a:bodyPr/>
+            <a:off x="0" y="704044"/>
+            <a:ext cx="12192000" cy="403538"/>
+          </a:xfrm>
+        </p:spPr>
+        <p:txBody>
+          <a:bodyPr>
+            <a:normAutofit/>
+          </a:bodyPr>
           <a:lstStyle/>
           <a:p>
             <a:pPr marL="0" indent="0" algn="ctr">
               <a:buNone/>
             </a:pPr>
             <a:r>
-              <a:rPr lang="en-US" dirty="0" smtClean="0"/>
-              <a:t>Forget </a:t>
-            </a:r>
-            <a:r>
               <a:rPr lang="en-US" sz="2000" dirty="0" smtClean="0"/>
-              <a:t>Password</a:t>
-            </a:r>
-            <a:endParaRPr lang="en-US" dirty="0"/>
+              <a:t>Registration Page</a:t>
+            </a:r>
+            <a:endParaRPr lang="en-US" sz="2000" dirty="0"/>
           </a:p>
         </p:txBody>
       </p:sp>
@@ -8667,15 +8764,21 @@
           <p:nvPr/>
         </p:nvPicPr>
         <p:blipFill>
-          <a:blip r:embed="rId2"/>
+          <a:blip r:embed="rId2">
+            <a:extLst>
+              <a:ext uri="{28A0092B-C50C-407E-A947-70E740481C1C}">
+                <a14:useLocalDpi xmlns:a14="http://schemas.microsoft.com/office/drawing/2010/main" val="0"/>
+              </a:ext>
+            </a:extLst>
+          </a:blip>
           <a:stretch>
             <a:fillRect/>
           </a:stretch>
         </p:blipFill>
         <p:spPr>
           <a:xfrm>
-            <a:off x="0" y="1261818"/>
-            <a:ext cx="12192000" cy="5596182"/>
+            <a:off x="0" y="1300765"/>
+            <a:ext cx="12192000" cy="5557233"/>
           </a:xfrm>
           <a:prstGeom prst="rect">
             <a:avLst/>
@@ -8685,7 +8788,7 @@
     </p:spTree>
     <p:extLst>
       <p:ext uri="{BB962C8B-B14F-4D97-AF65-F5344CB8AC3E}">
-        <p14:creationId xmlns:p14="http://schemas.microsoft.com/office/powerpoint/2010/main" val="430994053"/>
+        <p14:creationId xmlns:p14="http://schemas.microsoft.com/office/powerpoint/2010/main" val="3479187651"/>
       </p:ext>
     </p:extLst>
   </p:cSld>
@@ -8731,38 +8834,32 @@
         </p:nvSpPr>
         <p:spPr>
           <a:xfrm>
-            <a:off x="0" y="704045"/>
-            <a:ext cx="12192000" cy="519448"/>
-          </a:xfrm>
-        </p:spPr>
-        <p:txBody>
-          <a:bodyPr>
-            <a:normAutofit/>
-          </a:bodyPr>
+            <a:off x="0" y="716924"/>
+            <a:ext cx="12192000" cy="506569"/>
+          </a:xfrm>
+        </p:spPr>
+        <p:txBody>
+          <a:bodyPr/>
           <a:lstStyle/>
           <a:p>
             <a:pPr marL="0" indent="0" algn="ctr">
               <a:buNone/>
             </a:pPr>
             <a:r>
+              <a:rPr lang="en-US" dirty="0" smtClean="0"/>
+              <a:t>Forget </a:t>
+            </a:r>
+            <a:r>
               <a:rPr lang="en-US" sz="2000" dirty="0" smtClean="0"/>
-              <a:t>Login </a:t>
-            </a:r>
-            <a:r>
-              <a:rPr lang="en-US" sz="2000" dirty="0"/>
-              <a:t>w</a:t>
-            </a:r>
-            <a:r>
-              <a:rPr lang="en-US" sz="2000" dirty="0" smtClean="0"/>
-              <a:t>ith Email and Facebook</a:t>
-            </a:r>
-            <a:endParaRPr lang="en-US" sz="2000" dirty="0"/>
+              <a:t>Password</a:t>
+            </a:r>
+            <a:endParaRPr lang="en-US" dirty="0"/>
           </a:p>
         </p:txBody>
       </p:sp>
       <p:pic>
         <p:nvPicPr>
-          <p:cNvPr id="5" name="Picture 4"/>
+          <p:cNvPr id="4" name="Picture 3"/>
           <p:cNvPicPr>
             <a:picLocks noChangeAspect="1"/>
           </p:cNvPicPr>
@@ -8776,8 +8873,8 @@
         </p:blipFill>
         <p:spPr>
           <a:xfrm>
-            <a:off x="0" y="1313645"/>
-            <a:ext cx="12192000" cy="5555478"/>
+            <a:off x="0" y="1261818"/>
+            <a:ext cx="12192000" cy="5596182"/>
           </a:xfrm>
           <a:prstGeom prst="rect">
             <a:avLst/>
@@ -8787,7 +8884,7 @@
     </p:spTree>
     <p:extLst>
       <p:ext uri="{BB962C8B-B14F-4D97-AF65-F5344CB8AC3E}">
-        <p14:creationId xmlns:p14="http://schemas.microsoft.com/office/powerpoint/2010/main" val="4097466800"/>
+        <p14:creationId xmlns:p14="http://schemas.microsoft.com/office/powerpoint/2010/main" val="430994053"/>
       </p:ext>
     </p:extLst>
   </p:cSld>
@@ -8823,18 +8920,18 @@
       </p:grpSpPr>
       <p:sp>
         <p:nvSpPr>
-          <p:cNvPr id="2" name="Title 1"/>
-          <p:cNvSpPr>
-            <a:spLocks noGrp="1"/>
-          </p:cNvSpPr>
-          <p:nvPr>
-            <p:ph type="title"/>
+          <p:cNvPr id="3" name="Content Placeholder 2"/>
+          <p:cNvSpPr>
+            <a:spLocks noGrp="1"/>
+          </p:cNvSpPr>
+          <p:nvPr>
+            <p:ph idx="1"/>
           </p:nvPr>
         </p:nvSpPr>
         <p:spPr>
           <a:xfrm>
-            <a:off x="0" y="667024"/>
-            <a:ext cx="12192000" cy="798844"/>
+            <a:off x="0" y="704045"/>
+            <a:ext cx="12192000" cy="519448"/>
           </a:xfrm>
         </p:spPr>
         <p:txBody>
@@ -8843,37 +8940,28 @@
           </a:bodyPr>
           <a:lstStyle/>
           <a:p>
-            <a:pPr algn="ctr"/>
+            <a:pPr marL="0" indent="0" algn="ctr">
+              <a:buNone/>
+            </a:pPr>
             <a:r>
               <a:rPr lang="en-US" sz="2000" dirty="0" smtClean="0"/>
-              <a:t>User Home Page</a:t>
+              <a:t>Login </a:t>
+            </a:r>
+            <a:r>
+              <a:rPr lang="en-US" sz="2000" dirty="0"/>
+              <a:t>w</a:t>
+            </a:r>
+            <a:r>
+              <a:rPr lang="en-US" sz="2000" dirty="0" smtClean="0"/>
+              <a:t>ith Email and Facebook</a:t>
             </a:r>
             <a:endParaRPr lang="en-US" sz="2000" dirty="0"/>
-          </a:p>
-        </p:txBody>
-      </p:sp>
-      <p:sp>
-        <p:nvSpPr>
-          <p:cNvPr id="3" name="Content Placeholder 2"/>
-          <p:cNvSpPr>
-            <a:spLocks noGrp="1"/>
-          </p:cNvSpPr>
-          <p:nvPr>
-            <p:ph idx="1"/>
-          </p:nvPr>
-        </p:nvSpPr>
-        <p:spPr/>
-        <p:txBody>
-          <a:bodyPr/>
-          <a:lstStyle/>
-          <a:p>
-            <a:endParaRPr lang="en-US" dirty="0"/>
           </a:p>
         </p:txBody>
       </p:sp>
       <p:pic>
         <p:nvPicPr>
-          <p:cNvPr id="4" name="Picture 3"/>
+          <p:cNvPr id="5" name="Picture 4"/>
           <p:cNvPicPr>
             <a:picLocks noChangeAspect="1"/>
           </p:cNvPicPr>
@@ -8887,8 +8975,8 @@
         </p:blipFill>
         <p:spPr>
           <a:xfrm>
-            <a:off x="0" y="1339402"/>
-            <a:ext cx="12192000" cy="5524417"/>
+            <a:off x="0" y="1313645"/>
+            <a:ext cx="12192000" cy="5555478"/>
           </a:xfrm>
           <a:prstGeom prst="rect">
             <a:avLst/>
@@ -8898,7 +8986,7 @@
     </p:spTree>
     <p:extLst>
       <p:ext uri="{BB962C8B-B14F-4D97-AF65-F5344CB8AC3E}">
-        <p14:creationId xmlns:p14="http://schemas.microsoft.com/office/powerpoint/2010/main" val="3202325623"/>
+        <p14:creationId xmlns:p14="http://schemas.microsoft.com/office/powerpoint/2010/main" val="4097466800"/>
       </p:ext>
     </p:extLst>
   </p:cSld>
@@ -8944,8 +9032,8 @@
         </p:nvSpPr>
         <p:spPr>
           <a:xfrm>
-            <a:off x="3778" y="610431"/>
-            <a:ext cx="12188221" cy="581071"/>
+            <a:off x="0" y="667024"/>
+            <a:ext cx="12192000" cy="798844"/>
           </a:xfrm>
         </p:spPr>
         <p:txBody>
@@ -8957,7 +9045,7 @@
             <a:pPr algn="ctr"/>
             <a:r>
               <a:rPr lang="en-US" sz="2000" dirty="0" smtClean="0"/>
-              <a:t>User Profile</a:t>
+              <a:t>User Home Page</a:t>
             </a:r>
             <a:endParaRPr lang="en-US" sz="2000" dirty="0"/>
           </a:p>
@@ -8984,7 +9072,7 @@
       </p:sp>
       <p:pic>
         <p:nvPicPr>
-          <p:cNvPr id="5" name="Picture 4"/>
+          <p:cNvPr id="4" name="Picture 3"/>
           <p:cNvPicPr>
             <a:picLocks noChangeAspect="1"/>
           </p:cNvPicPr>
@@ -8998,8 +9086,8 @@
         </p:blipFill>
         <p:spPr>
           <a:xfrm>
-            <a:off x="1" y="1269576"/>
-            <a:ext cx="12192000" cy="5596623"/>
+            <a:off x="0" y="1339402"/>
+            <a:ext cx="12192000" cy="5524417"/>
           </a:xfrm>
           <a:prstGeom prst="rect">
             <a:avLst/>
@@ -9009,7 +9097,7 @@
     </p:spTree>
     <p:extLst>
       <p:ext uri="{BB962C8B-B14F-4D97-AF65-F5344CB8AC3E}">
-        <p14:creationId xmlns:p14="http://schemas.microsoft.com/office/powerpoint/2010/main" val="2040803696"/>
+        <p14:creationId xmlns:p14="http://schemas.microsoft.com/office/powerpoint/2010/main" val="3202325623"/>
       </p:ext>
     </p:extLst>
   </p:cSld>
@@ -9179,8 +9267,8 @@
         </p:nvSpPr>
         <p:spPr>
           <a:xfrm>
-            <a:off x="0" y="624110"/>
-            <a:ext cx="12191999" cy="640445"/>
+            <a:off x="3778" y="610431"/>
+            <a:ext cx="12188221" cy="581071"/>
           </a:xfrm>
         </p:spPr>
         <p:txBody>
@@ -9192,7 +9280,7 @@
             <a:pPr algn="ctr"/>
             <a:r>
               <a:rPr lang="en-US" sz="2000" dirty="0" smtClean="0"/>
-              <a:t>Add Multiple Address</a:t>
+              <a:t>User Profile</a:t>
             </a:r>
             <a:endParaRPr lang="en-US" sz="2000" dirty="0"/>
           </a:p>
@@ -9213,13 +9301,13 @@
           <a:bodyPr/>
           <a:lstStyle/>
           <a:p>
-            <a:endParaRPr lang="en-US"/>
+            <a:endParaRPr lang="en-US" dirty="0"/>
           </a:p>
         </p:txBody>
       </p:sp>
       <p:pic>
         <p:nvPicPr>
-          <p:cNvPr id="4" name="Picture 3"/>
+          <p:cNvPr id="5" name="Picture 4"/>
           <p:cNvPicPr>
             <a:picLocks noChangeAspect="1"/>
           </p:cNvPicPr>
@@ -9233,8 +9321,8 @@
         </p:blipFill>
         <p:spPr>
           <a:xfrm>
-            <a:off x="0" y="1264555"/>
-            <a:ext cx="12192000" cy="5596182"/>
+            <a:off x="1" y="1269576"/>
+            <a:ext cx="12192000" cy="5596623"/>
           </a:xfrm>
           <a:prstGeom prst="rect">
             <a:avLst/>
@@ -9244,7 +9332,7 @@
     </p:spTree>
     <p:extLst>
       <p:ext uri="{BB962C8B-B14F-4D97-AF65-F5344CB8AC3E}">
-        <p14:creationId xmlns:p14="http://schemas.microsoft.com/office/powerpoint/2010/main" val="288178023"/>
+        <p14:creationId xmlns:p14="http://schemas.microsoft.com/office/powerpoint/2010/main" val="2040803696"/>
       </p:ext>
     </p:extLst>
   </p:cSld>
@@ -9290,8 +9378,8 @@
         </p:nvSpPr>
         <p:spPr>
           <a:xfrm>
-            <a:off x="-1" y="708338"/>
-            <a:ext cx="12192001" cy="540913"/>
+            <a:off x="0" y="624110"/>
+            <a:ext cx="12191999" cy="640445"/>
           </a:xfrm>
         </p:spPr>
         <p:txBody>
@@ -9303,45 +9391,59 @@
             <a:pPr algn="ctr"/>
             <a:r>
               <a:rPr lang="en-US" sz="2000" dirty="0" smtClean="0"/>
-              <a:t>Update Profile</a:t>
+              <a:t>Add Multiple Address</a:t>
             </a:r>
             <a:endParaRPr lang="en-US" sz="2000" dirty="0"/>
+          </a:p>
+        </p:txBody>
+      </p:sp>
+      <p:sp>
+        <p:nvSpPr>
+          <p:cNvPr id="3" name="Content Placeholder 2"/>
+          <p:cNvSpPr>
+            <a:spLocks noGrp="1"/>
+          </p:cNvSpPr>
+          <p:nvPr>
+            <p:ph idx="1"/>
+          </p:nvPr>
+        </p:nvSpPr>
+        <p:spPr/>
+        <p:txBody>
+          <a:bodyPr/>
+          <a:lstStyle/>
+          <a:p>
+            <a:endParaRPr lang="en-US"/>
           </a:p>
         </p:txBody>
       </p:sp>
       <p:pic>
         <p:nvPicPr>
-          <p:cNvPr id="4" name="Content Placeholder 3"/>
+          <p:cNvPr id="4" name="Picture 3"/>
           <p:cNvPicPr>
-            <a:picLocks noGrp="1" noChangeAspect="1"/>
+            <a:picLocks noChangeAspect="1"/>
           </p:cNvPicPr>
-          <p:nvPr>
-            <p:ph idx="1"/>
-          </p:nvPr>
+          <p:nvPr/>
         </p:nvPicPr>
         <p:blipFill>
-          <a:blip r:embed="rId2">
-            <a:extLst>
-              <a:ext uri="{28A0092B-C50C-407E-A947-70E740481C1C}">
-                <a14:useLocalDpi xmlns:a14="http://schemas.microsoft.com/office/drawing/2010/main" val="0"/>
-              </a:ext>
-            </a:extLst>
-          </a:blip>
+          <a:blip r:embed="rId2"/>
           <a:stretch>
             <a:fillRect/>
           </a:stretch>
         </p:blipFill>
         <p:spPr>
           <a:xfrm>
-            <a:off x="0" y="1249251"/>
-            <a:ext cx="12192000" cy="5608749"/>
-          </a:xfrm>
+            <a:off x="0" y="1264555"/>
+            <a:ext cx="12192000" cy="5596182"/>
+          </a:xfrm>
+          <a:prstGeom prst="rect">
+            <a:avLst/>
+          </a:prstGeom>
         </p:spPr>
       </p:pic>
     </p:spTree>
     <p:extLst>
       <p:ext uri="{BB962C8B-B14F-4D97-AF65-F5344CB8AC3E}">
-        <p14:creationId xmlns:p14="http://schemas.microsoft.com/office/powerpoint/2010/main" val="717118685"/>
+        <p14:creationId xmlns:p14="http://schemas.microsoft.com/office/powerpoint/2010/main" val="288178023"/>
       </p:ext>
     </p:extLst>
   </p:cSld>
@@ -9387,8 +9489,8 @@
         </p:nvSpPr>
         <p:spPr>
           <a:xfrm>
-            <a:off x="0" y="695459"/>
-            <a:ext cx="12191999" cy="515156"/>
+            <a:off x="-1" y="708338"/>
+            <a:ext cx="12192001" cy="540913"/>
           </a:xfrm>
         </p:spPr>
         <p:txBody>
@@ -9400,7 +9502,7 @@
             <a:pPr algn="ctr"/>
             <a:r>
               <a:rPr lang="en-US" sz="2000" dirty="0" smtClean="0"/>
-              <a:t>Check Bus </a:t>
+              <a:t>Update Profile</a:t>
             </a:r>
             <a:endParaRPr lang="en-US" sz="2000" dirty="0"/>
           </a:p>
@@ -9430,15 +9532,15 @@
         </p:blipFill>
         <p:spPr>
           <a:xfrm>
-            <a:off x="0" y="1210615"/>
-            <a:ext cx="12192000" cy="5647385"/>
+            <a:off x="0" y="1249251"/>
+            <a:ext cx="12192000" cy="5608749"/>
           </a:xfrm>
         </p:spPr>
       </p:pic>
     </p:spTree>
     <p:extLst>
       <p:ext uri="{BB962C8B-B14F-4D97-AF65-F5344CB8AC3E}">
-        <p14:creationId xmlns:p14="http://schemas.microsoft.com/office/powerpoint/2010/main" val="2295343146"/>
+        <p14:creationId xmlns:p14="http://schemas.microsoft.com/office/powerpoint/2010/main" val="717118685"/>
       </p:ext>
     </p:extLst>
   </p:cSld>
@@ -9484,8 +9586,8 @@
         </p:nvSpPr>
         <p:spPr>
           <a:xfrm>
-            <a:off x="0" y="708338"/>
-            <a:ext cx="12191999" cy="502276"/>
+            <a:off x="0" y="695459"/>
+            <a:ext cx="12191999" cy="515156"/>
           </a:xfrm>
         </p:spPr>
         <p:txBody>
@@ -9497,7 +9599,7 @@
             <a:pPr algn="ctr"/>
             <a:r>
               <a:rPr lang="en-US" sz="2000" dirty="0" smtClean="0"/>
-              <a:t>Book Bus</a:t>
+              <a:t>Check Bus </a:t>
             </a:r>
             <a:endParaRPr lang="en-US" sz="2000" dirty="0"/>
           </a:p>
@@ -9527,15 +9629,15 @@
         </p:blipFill>
         <p:spPr>
           <a:xfrm>
-            <a:off x="0" y="1210614"/>
-            <a:ext cx="12192000" cy="5647386"/>
+            <a:off x="0" y="1210615"/>
+            <a:ext cx="12192000" cy="5647385"/>
           </a:xfrm>
         </p:spPr>
       </p:pic>
     </p:spTree>
     <p:extLst>
       <p:ext uri="{BB962C8B-B14F-4D97-AF65-F5344CB8AC3E}">
-        <p14:creationId xmlns:p14="http://schemas.microsoft.com/office/powerpoint/2010/main" val="3844118135"/>
+        <p14:creationId xmlns:p14="http://schemas.microsoft.com/office/powerpoint/2010/main" val="2295343146"/>
       </p:ext>
     </p:extLst>
   </p:cSld>
@@ -9581,8 +9683,8 @@
         </p:nvSpPr>
         <p:spPr>
           <a:xfrm>
-            <a:off x="-1" y="682580"/>
-            <a:ext cx="12192001" cy="504242"/>
+            <a:off x="0" y="708338"/>
+            <a:ext cx="12191999" cy="502276"/>
           </a:xfrm>
         </p:spPr>
         <p:txBody>
@@ -9594,59 +9696,45 @@
             <a:pPr algn="ctr"/>
             <a:r>
               <a:rPr lang="en-US" sz="2000" dirty="0" smtClean="0"/>
-              <a:t>Verify Bill</a:t>
+              <a:t>Book Bus</a:t>
             </a:r>
             <a:endParaRPr lang="en-US" sz="2000" dirty="0"/>
-          </a:p>
-        </p:txBody>
-      </p:sp>
-      <p:sp>
-        <p:nvSpPr>
-          <p:cNvPr id="3" name="Content Placeholder 2"/>
-          <p:cNvSpPr>
-            <a:spLocks noGrp="1"/>
-          </p:cNvSpPr>
-          <p:nvPr>
-            <p:ph idx="1"/>
-          </p:nvPr>
-        </p:nvSpPr>
-        <p:spPr/>
-        <p:txBody>
-          <a:bodyPr/>
-          <a:lstStyle/>
-          <a:p>
-            <a:endParaRPr lang="en-US"/>
           </a:p>
         </p:txBody>
       </p:sp>
       <p:pic>
         <p:nvPicPr>
-          <p:cNvPr id="4" name="Picture 3"/>
+          <p:cNvPr id="4" name="Content Placeholder 3"/>
           <p:cNvPicPr>
-            <a:picLocks noChangeAspect="1"/>
+            <a:picLocks noGrp="1" noChangeAspect="1"/>
           </p:cNvPicPr>
-          <p:nvPr/>
+          <p:nvPr>
+            <p:ph idx="1"/>
+          </p:nvPr>
         </p:nvPicPr>
         <p:blipFill>
-          <a:blip r:embed="rId2"/>
+          <a:blip r:embed="rId2">
+            <a:extLst>
+              <a:ext uri="{28A0092B-C50C-407E-A947-70E740481C1C}">
+                <a14:useLocalDpi xmlns:a14="http://schemas.microsoft.com/office/drawing/2010/main" val="0"/>
+              </a:ext>
+            </a:extLst>
+          </a:blip>
           <a:stretch>
             <a:fillRect/>
           </a:stretch>
         </p:blipFill>
         <p:spPr>
           <a:xfrm>
-            <a:off x="0" y="1186822"/>
-            <a:ext cx="12192000" cy="5671178"/>
-          </a:xfrm>
-          <a:prstGeom prst="rect">
-            <a:avLst/>
-          </a:prstGeom>
+            <a:off x="0" y="1210614"/>
+            <a:ext cx="12192000" cy="5647386"/>
+          </a:xfrm>
         </p:spPr>
       </p:pic>
     </p:spTree>
     <p:extLst>
       <p:ext uri="{BB962C8B-B14F-4D97-AF65-F5344CB8AC3E}">
-        <p14:creationId xmlns:p14="http://schemas.microsoft.com/office/powerpoint/2010/main" val="4069666143"/>
+        <p14:creationId xmlns:p14="http://schemas.microsoft.com/office/powerpoint/2010/main" val="3844118135"/>
       </p:ext>
     </p:extLst>
   </p:cSld>
@@ -9692,8 +9780,8 @@
         </p:nvSpPr>
         <p:spPr>
           <a:xfrm>
-            <a:off x="0" y="708338"/>
-            <a:ext cx="12191999" cy="478484"/>
+            <a:off x="-1" y="682580"/>
+            <a:ext cx="12192001" cy="504242"/>
           </a:xfrm>
         </p:spPr>
         <p:txBody>
@@ -9705,7 +9793,7 @@
             <a:pPr algn="ctr"/>
             <a:r>
               <a:rPr lang="en-US" sz="2000" dirty="0" smtClean="0"/>
-              <a:t>Payment Page</a:t>
+              <a:t>Verify Bill</a:t>
             </a:r>
             <a:endParaRPr lang="en-US" sz="2000" dirty="0"/>
           </a:p>
@@ -9746,8 +9834,8 @@
         </p:blipFill>
         <p:spPr>
           <a:xfrm>
-            <a:off x="0" y="1342146"/>
-            <a:ext cx="12192000" cy="5515854"/>
+            <a:off x="0" y="1186822"/>
+            <a:ext cx="12192000" cy="5671178"/>
           </a:xfrm>
           <a:prstGeom prst="rect">
             <a:avLst/>
@@ -9757,7 +9845,7 @@
     </p:spTree>
     <p:extLst>
       <p:ext uri="{BB962C8B-B14F-4D97-AF65-F5344CB8AC3E}">
-        <p14:creationId xmlns:p14="http://schemas.microsoft.com/office/powerpoint/2010/main" val="2869710604"/>
+        <p14:creationId xmlns:p14="http://schemas.microsoft.com/office/powerpoint/2010/main" val="4069666143"/>
       </p:ext>
     </p:extLst>
   </p:cSld>
@@ -9803,8 +9891,8 @@
         </p:nvSpPr>
         <p:spPr>
           <a:xfrm>
-            <a:off x="0" y="714262"/>
-            <a:ext cx="12191999" cy="613195"/>
+            <a:off x="0" y="708338"/>
+            <a:ext cx="12191999" cy="478484"/>
           </a:xfrm>
         </p:spPr>
         <p:txBody>
@@ -9816,45 +9904,59 @@
             <a:pPr algn="ctr"/>
             <a:r>
               <a:rPr lang="en-US" sz="2000" dirty="0" smtClean="0"/>
-              <a:t>Order Placed</a:t>
+              <a:t>Payment Page</a:t>
             </a:r>
             <a:endParaRPr lang="en-US" sz="2000" dirty="0"/>
+          </a:p>
+        </p:txBody>
+      </p:sp>
+      <p:sp>
+        <p:nvSpPr>
+          <p:cNvPr id="3" name="Content Placeholder 2"/>
+          <p:cNvSpPr>
+            <a:spLocks noGrp="1"/>
+          </p:cNvSpPr>
+          <p:nvPr>
+            <p:ph idx="1"/>
+          </p:nvPr>
+        </p:nvSpPr>
+        <p:spPr/>
+        <p:txBody>
+          <a:bodyPr/>
+          <a:lstStyle/>
+          <a:p>
+            <a:endParaRPr lang="en-US"/>
           </a:p>
         </p:txBody>
       </p:sp>
       <p:pic>
         <p:nvPicPr>
-          <p:cNvPr id="4" name="Content Placeholder 3"/>
+          <p:cNvPr id="4" name="Picture 3"/>
           <p:cNvPicPr>
-            <a:picLocks noGrp="1" noChangeAspect="1"/>
+            <a:picLocks noChangeAspect="1"/>
           </p:cNvPicPr>
-          <p:nvPr>
-            <p:ph idx="1"/>
-          </p:nvPr>
+          <p:nvPr/>
         </p:nvPicPr>
         <p:blipFill>
-          <a:blip r:embed="rId2">
-            <a:extLst>
-              <a:ext uri="{28A0092B-C50C-407E-A947-70E740481C1C}">
-                <a14:useLocalDpi xmlns:a14="http://schemas.microsoft.com/office/drawing/2010/main" val="0"/>
-              </a:ext>
-            </a:extLst>
-          </a:blip>
+          <a:blip r:embed="rId2"/>
           <a:stretch>
             <a:fillRect/>
           </a:stretch>
         </p:blipFill>
         <p:spPr>
           <a:xfrm>
-            <a:off x="-1" y="1237305"/>
-            <a:ext cx="12192001" cy="5620695"/>
-          </a:xfrm>
+            <a:off x="0" y="1342146"/>
+            <a:ext cx="12192000" cy="5515854"/>
+          </a:xfrm>
+          <a:prstGeom prst="rect">
+            <a:avLst/>
+          </a:prstGeom>
         </p:spPr>
       </p:pic>
     </p:spTree>
     <p:extLst>
       <p:ext uri="{BB962C8B-B14F-4D97-AF65-F5344CB8AC3E}">
-        <p14:creationId xmlns:p14="http://schemas.microsoft.com/office/powerpoint/2010/main" val="2439070636"/>
+        <p14:creationId xmlns:p14="http://schemas.microsoft.com/office/powerpoint/2010/main" val="2869710604"/>
       </p:ext>
     </p:extLst>
   </p:cSld>
@@ -9900,8 +10002,8 @@
         </p:nvSpPr>
         <p:spPr>
           <a:xfrm>
-            <a:off x="0" y="695459"/>
-            <a:ext cx="12191999" cy="491364"/>
+            <a:off x="0" y="714262"/>
+            <a:ext cx="12191999" cy="613195"/>
           </a:xfrm>
         </p:spPr>
         <p:txBody>
@@ -9913,59 +10015,45 @@
             <a:pPr algn="ctr"/>
             <a:r>
               <a:rPr lang="en-US" sz="2000" dirty="0" smtClean="0"/>
-              <a:t>Contact Page</a:t>
+              <a:t>Order Placed</a:t>
             </a:r>
             <a:endParaRPr lang="en-US" sz="2000" dirty="0"/>
-          </a:p>
-        </p:txBody>
-      </p:sp>
-      <p:sp>
-        <p:nvSpPr>
-          <p:cNvPr id="3" name="Content Placeholder 2"/>
-          <p:cNvSpPr>
-            <a:spLocks noGrp="1"/>
-          </p:cNvSpPr>
-          <p:nvPr>
-            <p:ph idx="1"/>
-          </p:nvPr>
-        </p:nvSpPr>
-        <p:spPr/>
-        <p:txBody>
-          <a:bodyPr/>
-          <a:lstStyle/>
-          <a:p>
-            <a:endParaRPr lang="en-US"/>
           </a:p>
         </p:txBody>
       </p:sp>
       <p:pic>
         <p:nvPicPr>
-          <p:cNvPr id="4" name="Picture 3"/>
+          <p:cNvPr id="4" name="Content Placeholder 3"/>
           <p:cNvPicPr>
-            <a:picLocks noChangeAspect="1"/>
+            <a:picLocks noGrp="1" noChangeAspect="1"/>
           </p:cNvPicPr>
-          <p:nvPr/>
+          <p:nvPr>
+            <p:ph idx="1"/>
+          </p:nvPr>
         </p:nvPicPr>
         <p:blipFill>
-          <a:blip r:embed="rId2"/>
+          <a:blip r:embed="rId2">
+            <a:extLst>
+              <a:ext uri="{28A0092B-C50C-407E-A947-70E740481C1C}">
+                <a14:useLocalDpi xmlns:a14="http://schemas.microsoft.com/office/drawing/2010/main" val="0"/>
+              </a:ext>
+            </a:extLst>
+          </a:blip>
           <a:stretch>
             <a:fillRect/>
           </a:stretch>
         </p:blipFill>
         <p:spPr>
           <a:xfrm>
-            <a:off x="0" y="1339403"/>
-            <a:ext cx="12192000" cy="5518597"/>
-          </a:xfrm>
-          <a:prstGeom prst="rect">
-            <a:avLst/>
-          </a:prstGeom>
+            <a:off x="-1" y="1237305"/>
+            <a:ext cx="12192001" cy="5620695"/>
+          </a:xfrm>
         </p:spPr>
       </p:pic>
     </p:spTree>
     <p:extLst>
       <p:ext uri="{BB962C8B-B14F-4D97-AF65-F5344CB8AC3E}">
-        <p14:creationId xmlns:p14="http://schemas.microsoft.com/office/powerpoint/2010/main" val="3205215986"/>
+        <p14:creationId xmlns:p14="http://schemas.microsoft.com/office/powerpoint/2010/main" val="2439070636"/>
       </p:ext>
     </p:extLst>
   </p:cSld>
@@ -10012,7 +10100,7 @@
         <p:spPr>
           <a:xfrm>
             <a:off x="0" y="695459"/>
-            <a:ext cx="12191999" cy="602062"/>
+            <a:ext cx="12191999" cy="491364"/>
           </a:xfrm>
         </p:spPr>
         <p:txBody>
@@ -10024,7 +10112,7 @@
             <a:pPr algn="ctr"/>
             <a:r>
               <a:rPr lang="en-US" sz="2000" dirty="0" smtClean="0"/>
-              <a:t>Change Password</a:t>
+              <a:t>Contact Page</a:t>
             </a:r>
             <a:endParaRPr lang="en-US" sz="2000" dirty="0"/>
           </a:p>
@@ -10065,8 +10153,8 @@
         </p:blipFill>
         <p:spPr>
           <a:xfrm>
-            <a:off x="0" y="1297520"/>
-            <a:ext cx="12192000" cy="5560480"/>
+            <a:off x="0" y="1339403"/>
+            <a:ext cx="12192000" cy="5518597"/>
           </a:xfrm>
           <a:prstGeom prst="rect">
             <a:avLst/>
@@ -10076,7 +10164,7 @@
     </p:spTree>
     <p:extLst>
       <p:ext uri="{BB962C8B-B14F-4D97-AF65-F5344CB8AC3E}">
-        <p14:creationId xmlns:p14="http://schemas.microsoft.com/office/powerpoint/2010/main" val="3674545965"/>
+        <p14:creationId xmlns:p14="http://schemas.microsoft.com/office/powerpoint/2010/main" val="3205215986"/>
       </p:ext>
     </p:extLst>
   </p:cSld>
@@ -10122,8 +10210,8 @@
         </p:nvSpPr>
         <p:spPr>
           <a:xfrm>
-            <a:off x="0" y="708338"/>
-            <a:ext cx="12191999" cy="478484"/>
+            <a:off x="0" y="695459"/>
+            <a:ext cx="12191999" cy="602062"/>
           </a:xfrm>
         </p:spPr>
         <p:txBody>
@@ -10135,7 +10223,7 @@
             <a:pPr algn="ctr"/>
             <a:r>
               <a:rPr lang="en-US" sz="2000" dirty="0" smtClean="0"/>
-              <a:t>Booking History</a:t>
+              <a:t>Change Password</a:t>
             </a:r>
             <a:endParaRPr lang="en-US" sz="2000" dirty="0"/>
           </a:p>
@@ -10176,8 +10264,8 @@
         </p:blipFill>
         <p:spPr>
           <a:xfrm>
-            <a:off x="0" y="1333221"/>
-            <a:ext cx="12192000" cy="5524779"/>
+            <a:off x="0" y="1297520"/>
+            <a:ext cx="12192000" cy="5560480"/>
           </a:xfrm>
           <a:prstGeom prst="rect">
             <a:avLst/>
@@ -10187,7 +10275,7 @@
     </p:spTree>
     <p:extLst>
       <p:ext uri="{BB962C8B-B14F-4D97-AF65-F5344CB8AC3E}">
-        <p14:creationId xmlns:p14="http://schemas.microsoft.com/office/powerpoint/2010/main" val="2922364401"/>
+        <p14:creationId xmlns:p14="http://schemas.microsoft.com/office/powerpoint/2010/main" val="3674545965"/>
       </p:ext>
     </p:extLst>
   </p:cSld>
@@ -10355,8 +10443,8 @@
         </p:nvSpPr>
         <p:spPr>
           <a:xfrm>
-            <a:off x="1" y="649868"/>
-            <a:ext cx="12191999" cy="573963"/>
+            <a:off x="0" y="708338"/>
+            <a:ext cx="12191999" cy="478484"/>
           </a:xfrm>
         </p:spPr>
         <p:txBody>
@@ -10368,7 +10456,7 @@
             <a:pPr algn="ctr"/>
             <a:r>
               <a:rPr lang="en-US" sz="2000" dirty="0" smtClean="0"/>
-              <a:t>Bus Profile</a:t>
+              <a:t>Booking History</a:t>
             </a:r>
             <a:endParaRPr lang="en-US" sz="2000" dirty="0"/>
           </a:p>
@@ -10409,8 +10497,8 @@
         </p:blipFill>
         <p:spPr>
           <a:xfrm>
-            <a:off x="0" y="1223831"/>
-            <a:ext cx="12192000" cy="5622918"/>
+            <a:off x="0" y="1333221"/>
+            <a:ext cx="12192000" cy="5524779"/>
           </a:xfrm>
           <a:prstGeom prst="rect">
             <a:avLst/>
@@ -10420,7 +10508,7 @@
     </p:spTree>
     <p:extLst>
       <p:ext uri="{BB962C8B-B14F-4D97-AF65-F5344CB8AC3E}">
-        <p14:creationId xmlns:p14="http://schemas.microsoft.com/office/powerpoint/2010/main" val="1921687274"/>
+        <p14:creationId xmlns:p14="http://schemas.microsoft.com/office/powerpoint/2010/main" val="2922364401"/>
       </p:ext>
     </p:extLst>
   </p:cSld>
@@ -10466,8 +10554,8 @@
         </p:nvSpPr>
         <p:spPr>
           <a:xfrm>
-            <a:off x="0" y="682580"/>
-            <a:ext cx="12191999" cy="579550"/>
+            <a:off x="1" y="649868"/>
+            <a:ext cx="12191999" cy="573963"/>
           </a:xfrm>
         </p:spPr>
         <p:txBody>
@@ -10479,45 +10567,59 @@
             <a:pPr algn="ctr"/>
             <a:r>
               <a:rPr lang="en-US" sz="2000" dirty="0" smtClean="0"/>
-              <a:t>Add Bus</a:t>
+              <a:t>Bus Profile</a:t>
             </a:r>
             <a:endParaRPr lang="en-US" sz="2000" dirty="0"/>
+          </a:p>
+        </p:txBody>
+      </p:sp>
+      <p:sp>
+        <p:nvSpPr>
+          <p:cNvPr id="3" name="Content Placeholder 2"/>
+          <p:cNvSpPr>
+            <a:spLocks noGrp="1"/>
+          </p:cNvSpPr>
+          <p:nvPr>
+            <p:ph idx="1"/>
+          </p:nvPr>
+        </p:nvSpPr>
+        <p:spPr/>
+        <p:txBody>
+          <a:bodyPr/>
+          <a:lstStyle/>
+          <a:p>
+            <a:endParaRPr lang="en-US"/>
           </a:p>
         </p:txBody>
       </p:sp>
       <p:pic>
         <p:nvPicPr>
-          <p:cNvPr id="4" name="Content Placeholder 3"/>
+          <p:cNvPr id="4" name="Picture 3"/>
           <p:cNvPicPr>
-            <a:picLocks noGrp="1" noChangeAspect="1"/>
+            <a:picLocks noChangeAspect="1"/>
           </p:cNvPicPr>
-          <p:nvPr>
-            <p:ph idx="1"/>
-          </p:nvPr>
+          <p:nvPr/>
         </p:nvPicPr>
         <p:blipFill>
-          <a:blip r:embed="rId2">
-            <a:extLst>
-              <a:ext uri="{28A0092B-C50C-407E-A947-70E740481C1C}">
-                <a14:useLocalDpi xmlns:a14="http://schemas.microsoft.com/office/drawing/2010/main" val="0"/>
-              </a:ext>
-            </a:extLst>
-          </a:blip>
+          <a:blip r:embed="rId2"/>
           <a:stretch>
             <a:fillRect/>
           </a:stretch>
         </p:blipFill>
         <p:spPr>
           <a:xfrm>
-            <a:off x="0" y="1262130"/>
-            <a:ext cx="12192000" cy="5595870"/>
-          </a:xfrm>
+            <a:off x="0" y="1223831"/>
+            <a:ext cx="12192000" cy="5622918"/>
+          </a:xfrm>
+          <a:prstGeom prst="rect">
+            <a:avLst/>
+          </a:prstGeom>
         </p:spPr>
       </p:pic>
     </p:spTree>
     <p:extLst>
       <p:ext uri="{BB962C8B-B14F-4D97-AF65-F5344CB8AC3E}">
-        <p14:creationId xmlns:p14="http://schemas.microsoft.com/office/powerpoint/2010/main" val="3875684097"/>
+        <p14:creationId xmlns:p14="http://schemas.microsoft.com/office/powerpoint/2010/main" val="1921687274"/>
       </p:ext>
     </p:extLst>
   </p:cSld>
@@ -10564,7 +10666,7 @@
         <p:spPr>
           <a:xfrm>
             <a:off x="0" y="682580"/>
-            <a:ext cx="12191999" cy="1222420"/>
+            <a:ext cx="12191999" cy="579550"/>
           </a:xfrm>
         </p:spPr>
         <p:txBody>
@@ -10576,59 +10678,45 @@
             <a:pPr algn="ctr"/>
             <a:r>
               <a:rPr lang="en-US" sz="2000" dirty="0" smtClean="0"/>
-              <a:t>Bus List</a:t>
+              <a:t>Add Bus</a:t>
             </a:r>
             <a:endParaRPr lang="en-US" sz="2000" dirty="0"/>
-          </a:p>
-        </p:txBody>
-      </p:sp>
-      <p:sp>
-        <p:nvSpPr>
-          <p:cNvPr id="3" name="Content Placeholder 2"/>
-          <p:cNvSpPr>
-            <a:spLocks noGrp="1"/>
-          </p:cNvSpPr>
-          <p:nvPr>
-            <p:ph idx="1"/>
-          </p:nvPr>
-        </p:nvSpPr>
-        <p:spPr/>
-        <p:txBody>
-          <a:bodyPr/>
-          <a:lstStyle/>
-          <a:p>
-            <a:endParaRPr lang="en-US"/>
           </a:p>
         </p:txBody>
       </p:sp>
       <p:pic>
         <p:nvPicPr>
-          <p:cNvPr id="4" name="Picture 3"/>
+          <p:cNvPr id="4" name="Content Placeholder 3"/>
           <p:cNvPicPr>
-            <a:picLocks noChangeAspect="1"/>
+            <a:picLocks noGrp="1" noChangeAspect="1"/>
           </p:cNvPicPr>
-          <p:nvPr/>
+          <p:nvPr>
+            <p:ph idx="1"/>
+          </p:nvPr>
         </p:nvPicPr>
         <p:blipFill>
-          <a:blip r:embed="rId2"/>
+          <a:blip r:embed="rId2">
+            <a:extLst>
+              <a:ext uri="{28A0092B-C50C-407E-A947-70E740481C1C}">
+                <a14:useLocalDpi xmlns:a14="http://schemas.microsoft.com/office/drawing/2010/main" val="0"/>
+              </a:ext>
+            </a:extLst>
+          </a:blip>
           <a:stretch>
             <a:fillRect/>
           </a:stretch>
         </p:blipFill>
         <p:spPr>
           <a:xfrm>
-            <a:off x="0" y="1342146"/>
-            <a:ext cx="12192000" cy="5515854"/>
-          </a:xfrm>
-          <a:prstGeom prst="rect">
-            <a:avLst/>
-          </a:prstGeom>
+            <a:off x="0" y="1262130"/>
+            <a:ext cx="12192000" cy="5595870"/>
+          </a:xfrm>
         </p:spPr>
       </p:pic>
     </p:spTree>
     <p:extLst>
       <p:ext uri="{BB962C8B-B14F-4D97-AF65-F5344CB8AC3E}">
-        <p14:creationId xmlns:p14="http://schemas.microsoft.com/office/powerpoint/2010/main" val="3675773446"/>
+        <p14:creationId xmlns:p14="http://schemas.microsoft.com/office/powerpoint/2010/main" val="3875684097"/>
       </p:ext>
     </p:extLst>
   </p:cSld>
@@ -10674,8 +10762,8 @@
         </p:nvSpPr>
         <p:spPr>
           <a:xfrm>
-            <a:off x="0" y="708338"/>
-            <a:ext cx="12191999" cy="478484"/>
+            <a:off x="0" y="682580"/>
+            <a:ext cx="12191999" cy="1222420"/>
           </a:xfrm>
         </p:spPr>
         <p:txBody>
@@ -10687,7 +10775,7 @@
             <a:pPr algn="ctr"/>
             <a:r>
               <a:rPr lang="en-US" sz="2000" dirty="0" smtClean="0"/>
-              <a:t>Bus Details</a:t>
+              <a:t>Bus List</a:t>
             </a:r>
             <a:endParaRPr lang="en-US" sz="2000" dirty="0"/>
           </a:p>
@@ -10728,8 +10816,8 @@
         </p:blipFill>
         <p:spPr>
           <a:xfrm>
-            <a:off x="0" y="1347038"/>
-            <a:ext cx="12192000" cy="5510962"/>
+            <a:off x="0" y="1342146"/>
+            <a:ext cx="12192000" cy="5515854"/>
           </a:xfrm>
           <a:prstGeom prst="rect">
             <a:avLst/>
@@ -10739,7 +10827,7 @@
     </p:spTree>
     <p:extLst>
       <p:ext uri="{BB962C8B-B14F-4D97-AF65-F5344CB8AC3E}">
-        <p14:creationId xmlns:p14="http://schemas.microsoft.com/office/powerpoint/2010/main" val="3406071410"/>
+        <p14:creationId xmlns:p14="http://schemas.microsoft.com/office/powerpoint/2010/main" val="3675773446"/>
       </p:ext>
     </p:extLst>
   </p:cSld>
@@ -10785,8 +10873,8 @@
         </p:nvSpPr>
         <p:spPr>
           <a:xfrm>
-            <a:off x="0" y="695458"/>
-            <a:ext cx="12191999" cy="1209541"/>
+            <a:off x="0" y="708338"/>
+            <a:ext cx="12191999" cy="478484"/>
           </a:xfrm>
         </p:spPr>
         <p:txBody>
@@ -10798,45 +10886,59 @@
             <a:pPr algn="ctr"/>
             <a:r>
               <a:rPr lang="en-US" sz="2000" dirty="0" smtClean="0"/>
-              <a:t>Update Bus</a:t>
+              <a:t>Bus Details</a:t>
             </a:r>
             <a:endParaRPr lang="en-US" sz="2000" dirty="0"/>
+          </a:p>
+        </p:txBody>
+      </p:sp>
+      <p:sp>
+        <p:nvSpPr>
+          <p:cNvPr id="3" name="Content Placeholder 2"/>
+          <p:cNvSpPr>
+            <a:spLocks noGrp="1"/>
+          </p:cNvSpPr>
+          <p:nvPr>
+            <p:ph idx="1"/>
+          </p:nvPr>
+        </p:nvSpPr>
+        <p:spPr/>
+        <p:txBody>
+          <a:bodyPr/>
+          <a:lstStyle/>
+          <a:p>
+            <a:endParaRPr lang="en-US"/>
           </a:p>
         </p:txBody>
       </p:sp>
       <p:pic>
         <p:nvPicPr>
-          <p:cNvPr id="4" name="Content Placeholder 3"/>
+          <p:cNvPr id="4" name="Picture 3"/>
           <p:cNvPicPr>
-            <a:picLocks noGrp="1" noChangeAspect="1"/>
+            <a:picLocks noChangeAspect="1"/>
           </p:cNvPicPr>
-          <p:nvPr>
-            <p:ph idx="1"/>
-          </p:nvPr>
+          <p:nvPr/>
         </p:nvPicPr>
         <p:blipFill>
-          <a:blip r:embed="rId2">
-            <a:extLst>
-              <a:ext uri="{28A0092B-C50C-407E-A947-70E740481C1C}">
-                <a14:useLocalDpi xmlns:a14="http://schemas.microsoft.com/office/drawing/2010/main" val="0"/>
-              </a:ext>
-            </a:extLst>
-          </a:blip>
+          <a:blip r:embed="rId2"/>
           <a:stretch>
             <a:fillRect/>
           </a:stretch>
         </p:blipFill>
         <p:spPr>
           <a:xfrm>
-            <a:off x="0" y="1264555"/>
-            <a:ext cx="12192000" cy="5596456"/>
-          </a:xfrm>
+            <a:off x="0" y="1347038"/>
+            <a:ext cx="12192000" cy="5510962"/>
+          </a:xfrm>
+          <a:prstGeom prst="rect">
+            <a:avLst/>
+          </a:prstGeom>
         </p:spPr>
       </p:pic>
     </p:spTree>
     <p:extLst>
       <p:ext uri="{BB962C8B-B14F-4D97-AF65-F5344CB8AC3E}">
-        <p14:creationId xmlns:p14="http://schemas.microsoft.com/office/powerpoint/2010/main" val="1751572373"/>
+        <p14:creationId xmlns:p14="http://schemas.microsoft.com/office/powerpoint/2010/main" val="3406071410"/>
       </p:ext>
     </p:extLst>
   </p:cSld>
@@ -10882,8 +10984,8 @@
         </p:nvSpPr>
         <p:spPr>
           <a:xfrm>
-            <a:off x="0" y="708338"/>
-            <a:ext cx="12191999" cy="478484"/>
+            <a:off x="0" y="695458"/>
+            <a:ext cx="12191999" cy="1209541"/>
           </a:xfrm>
         </p:spPr>
         <p:txBody>
@@ -10895,59 +10997,45 @@
             <a:pPr algn="ctr"/>
             <a:r>
               <a:rPr lang="en-US" sz="2000" dirty="0" smtClean="0"/>
-              <a:t>Add Check Points</a:t>
+              <a:t>Update Bus</a:t>
             </a:r>
             <a:endParaRPr lang="en-US" sz="2000" dirty="0"/>
-          </a:p>
-        </p:txBody>
-      </p:sp>
-      <p:sp>
-        <p:nvSpPr>
-          <p:cNvPr id="3" name="Content Placeholder 2"/>
-          <p:cNvSpPr>
-            <a:spLocks noGrp="1"/>
-          </p:cNvSpPr>
-          <p:nvPr>
-            <p:ph idx="1"/>
-          </p:nvPr>
-        </p:nvSpPr>
-        <p:spPr/>
-        <p:txBody>
-          <a:bodyPr/>
-          <a:lstStyle/>
-          <a:p>
-            <a:endParaRPr lang="en-US"/>
           </a:p>
         </p:txBody>
       </p:sp>
       <p:pic>
         <p:nvPicPr>
-          <p:cNvPr id="4" name="Picture 3"/>
+          <p:cNvPr id="4" name="Content Placeholder 3"/>
           <p:cNvPicPr>
-            <a:picLocks noChangeAspect="1"/>
+            <a:picLocks noGrp="1" noChangeAspect="1"/>
           </p:cNvPicPr>
-          <p:nvPr/>
+          <p:nvPr>
+            <p:ph idx="1"/>
+          </p:nvPr>
         </p:nvPicPr>
         <p:blipFill>
-          <a:blip r:embed="rId2"/>
+          <a:blip r:embed="rId2">
+            <a:extLst>
+              <a:ext uri="{28A0092B-C50C-407E-A947-70E740481C1C}">
+                <a14:useLocalDpi xmlns:a14="http://schemas.microsoft.com/office/drawing/2010/main" val="0"/>
+              </a:ext>
+            </a:extLst>
+          </a:blip>
           <a:stretch>
             <a:fillRect/>
           </a:stretch>
         </p:blipFill>
         <p:spPr>
           <a:xfrm>
-            <a:off x="0" y="1287887"/>
-            <a:ext cx="12192000" cy="5570113"/>
-          </a:xfrm>
-          <a:prstGeom prst="rect">
-            <a:avLst/>
-          </a:prstGeom>
+            <a:off x="0" y="1264555"/>
+            <a:ext cx="12192000" cy="5596456"/>
+          </a:xfrm>
         </p:spPr>
       </p:pic>
     </p:spTree>
     <p:extLst>
       <p:ext uri="{BB962C8B-B14F-4D97-AF65-F5344CB8AC3E}">
-        <p14:creationId xmlns:p14="http://schemas.microsoft.com/office/powerpoint/2010/main" val="3875254450"/>
+        <p14:creationId xmlns:p14="http://schemas.microsoft.com/office/powerpoint/2010/main" val="1751572373"/>
       </p:ext>
     </p:extLst>
   </p:cSld>
@@ -10993,8 +11081,8 @@
         </p:nvSpPr>
         <p:spPr>
           <a:xfrm>
-            <a:off x="0" y="682580"/>
-            <a:ext cx="12191999" cy="1222420"/>
+            <a:off x="0" y="708338"/>
+            <a:ext cx="12191999" cy="478484"/>
           </a:xfrm>
         </p:spPr>
         <p:txBody>
@@ -11006,7 +11094,7 @@
             <a:pPr algn="ctr"/>
             <a:r>
               <a:rPr lang="en-US" sz="2000" dirty="0" smtClean="0"/>
-              <a:t>Verify Bus Stop’s</a:t>
+              <a:t>Add Check Points</a:t>
             </a:r>
             <a:endParaRPr lang="en-US" sz="2000" dirty="0"/>
           </a:p>
@@ -11047,8 +11135,8 @@
         </p:blipFill>
         <p:spPr>
           <a:xfrm>
-            <a:off x="0" y="1262130"/>
-            <a:ext cx="12192000" cy="5595870"/>
+            <a:off x="0" y="1287887"/>
+            <a:ext cx="12192000" cy="5570113"/>
           </a:xfrm>
           <a:prstGeom prst="rect">
             <a:avLst/>
@@ -11058,7 +11146,7 @@
     </p:spTree>
     <p:extLst>
       <p:ext uri="{BB962C8B-B14F-4D97-AF65-F5344CB8AC3E}">
-        <p14:creationId xmlns:p14="http://schemas.microsoft.com/office/powerpoint/2010/main" val="2101490899"/>
+        <p14:creationId xmlns:p14="http://schemas.microsoft.com/office/powerpoint/2010/main" val="3875254450"/>
       </p:ext>
     </p:extLst>
   </p:cSld>
@@ -11102,177 +11190,74 @@
             <p:ph type="title"/>
           </p:nvPr>
         </p:nvSpPr>
-        <p:spPr/>
-        <p:txBody>
-          <a:bodyPr/>
-          <a:lstStyle/>
-          <a:p>
-            <a:r>
-              <a:rPr lang="en-US" dirty="0"/>
-              <a:t>References</a:t>
-            </a:r>
-          </a:p>
-        </p:txBody>
-      </p:sp>
-      <p:sp>
-        <p:nvSpPr>
-          <p:cNvPr id="3" name="Content Placeholder 2"/>
-          <p:cNvSpPr>
-            <a:spLocks noGrp="1"/>
-          </p:cNvSpPr>
-          <p:nvPr>
-            <p:ph idx="1"/>
-          </p:nvPr>
-        </p:nvSpPr>
         <p:spPr>
           <a:xfrm>
-            <a:off x="2589212" y="2133599"/>
-            <a:ext cx="8915400" cy="4086897"/>
+            <a:off x="0" y="682580"/>
+            <a:ext cx="12191999" cy="1222420"/>
           </a:xfrm>
         </p:spPr>
         <p:txBody>
           <a:bodyPr>
-            <a:normAutofit lnSpcReduction="10000"/>
+            <a:normAutofit/>
           </a:bodyPr>
           <a:lstStyle/>
           <a:p>
-            <a:r>
-              <a:rPr lang="en-US" dirty="0">
-                <a:hlinkClick r:id="rId2"/>
-              </a:rPr>
-              <a:t>https://angular.io</a:t>
-            </a:r>
-            <a:r>
-              <a:rPr lang="en-US" dirty="0" smtClean="0">
-                <a:hlinkClick r:id="rId2"/>
-              </a:rPr>
-              <a:t>/</a:t>
-            </a:r>
-            <a:endParaRPr lang="en-US" dirty="0" smtClean="0"/>
-          </a:p>
-          <a:p>
-            <a:r>
-              <a:rPr lang="en-US" dirty="0">
-                <a:hlinkClick r:id="rId3"/>
-              </a:rPr>
-              <a:t>https://</a:t>
-            </a:r>
-            <a:r>
-              <a:rPr lang="en-US" dirty="0" smtClean="0">
-                <a:hlinkClick r:id="rId3"/>
-              </a:rPr>
-              <a:t>spring.io/projects/spring-boot</a:t>
-            </a:r>
-            <a:endParaRPr lang="en-US" dirty="0" smtClean="0"/>
-          </a:p>
-          <a:p>
-            <a:r>
-              <a:rPr lang="en-US" dirty="0">
-                <a:hlinkClick r:id="rId4"/>
-              </a:rPr>
-              <a:t>https://</a:t>
-            </a:r>
-            <a:r>
-              <a:rPr lang="en-US" dirty="0" smtClean="0">
-                <a:hlinkClick r:id="rId4"/>
-              </a:rPr>
-              <a:t>www.tutorialspoint.com/index.htm</a:t>
-            </a:r>
-            <a:endParaRPr lang="en-US" dirty="0" smtClean="0"/>
-          </a:p>
-          <a:p>
-            <a:r>
-              <a:rPr lang="en-US" dirty="0">
-                <a:hlinkClick r:id="rId5"/>
-              </a:rPr>
-              <a:t>https://</a:t>
-            </a:r>
-            <a:r>
-              <a:rPr lang="en-US" dirty="0" smtClean="0">
-                <a:hlinkClick r:id="rId5"/>
-              </a:rPr>
-              <a:t>www.javatpoint.com/</a:t>
-            </a:r>
-            <a:endParaRPr lang="en-US" dirty="0" smtClean="0"/>
-          </a:p>
-          <a:p>
-            <a:r>
-              <a:rPr lang="en-US" dirty="0">
-                <a:hlinkClick r:id="rId6"/>
-              </a:rPr>
-              <a:t>https://youtube.com</a:t>
-            </a:r>
-            <a:r>
-              <a:rPr lang="en-US" dirty="0" smtClean="0">
-                <a:hlinkClick r:id="rId6"/>
-              </a:rPr>
-              <a:t>/</a:t>
-            </a:r>
-            <a:endParaRPr lang="en-US" dirty="0" smtClean="0"/>
-          </a:p>
-          <a:p>
-            <a:r>
-              <a:rPr lang="en-US" dirty="0">
-                <a:hlinkClick r:id="rId7"/>
-              </a:rPr>
-              <a:t>https://www.tutorialspoint.com/spring_boot/spring_boot_eureka_server.htm#:~:</a:t>
-            </a:r>
-            <a:r>
-              <a:rPr lang="en-US" dirty="0" smtClean="0">
-                <a:hlinkClick r:id="rId7"/>
-              </a:rPr>
-              <a:t>text=Eureka%20Server%20is%20an%20application,also%20known%20as%20Discovery%20Server</a:t>
-            </a:r>
-            <a:endParaRPr lang="en-US" dirty="0" smtClean="0"/>
-          </a:p>
-          <a:p>
-            <a:r>
-              <a:rPr lang="en-US" dirty="0">
-                <a:hlinkClick r:id="rId8"/>
-              </a:rPr>
-              <a:t>https://</a:t>
-            </a:r>
-            <a:r>
-              <a:rPr lang="en-US" dirty="0" smtClean="0">
-                <a:hlinkClick r:id="rId8"/>
-              </a:rPr>
-              <a:t>spring.io/microservices</a:t>
-            </a:r>
-            <a:endParaRPr lang="en-US" dirty="0" smtClean="0"/>
-          </a:p>
-          <a:p>
-            <a:r>
-              <a:rPr lang="en-US" dirty="0">
-                <a:hlinkClick r:id="rId9"/>
-              </a:rPr>
-              <a:t>https://</a:t>
-            </a:r>
-            <a:r>
-              <a:rPr lang="en-US" dirty="0" smtClean="0">
-                <a:hlinkClick r:id="rId9"/>
-              </a:rPr>
-              <a:t>dzone.com/articles/service-discovery-with-eureka-and-zuul</a:t>
-            </a:r>
-            <a:endParaRPr lang="en-US" dirty="0" smtClean="0"/>
-          </a:p>
-          <a:p>
-            <a:r>
-              <a:rPr lang="en-US" dirty="0">
-                <a:hlinkClick r:id="rId10"/>
-              </a:rPr>
-              <a:t>https://spring.io/guides/gs/service-registration-and-discovery/</a:t>
-            </a:r>
-            <a:endParaRPr lang="en-US" dirty="0" smtClean="0"/>
-          </a:p>
-          <a:p>
-            <a:endParaRPr lang="en-US" dirty="0"/>
-          </a:p>
-        </p:txBody>
-      </p:sp>
+            <a:pPr algn="ctr"/>
+            <a:r>
+              <a:rPr lang="en-US" sz="2000" dirty="0" smtClean="0"/>
+              <a:t>Verify Bus Stop’s</a:t>
+            </a:r>
+            <a:endParaRPr lang="en-US" sz="2000" dirty="0"/>
+          </a:p>
+        </p:txBody>
+      </p:sp>
+      <p:sp>
+        <p:nvSpPr>
+          <p:cNvPr id="3" name="Content Placeholder 2"/>
+          <p:cNvSpPr>
+            <a:spLocks noGrp="1"/>
+          </p:cNvSpPr>
+          <p:nvPr>
+            <p:ph idx="1"/>
+          </p:nvPr>
+        </p:nvSpPr>
+        <p:spPr/>
+        <p:txBody>
+          <a:bodyPr/>
+          <a:lstStyle/>
+          <a:p>
+            <a:endParaRPr lang="en-US"/>
+          </a:p>
+        </p:txBody>
+      </p:sp>
+      <p:pic>
+        <p:nvPicPr>
+          <p:cNvPr id="4" name="Picture 3"/>
+          <p:cNvPicPr>
+            <a:picLocks noChangeAspect="1"/>
+          </p:cNvPicPr>
+          <p:nvPr/>
+        </p:nvPicPr>
+        <p:blipFill>
+          <a:blip r:embed="rId2"/>
+          <a:stretch>
+            <a:fillRect/>
+          </a:stretch>
+        </p:blipFill>
+        <p:spPr>
+          <a:xfrm>
+            <a:off x="0" y="1262130"/>
+            <a:ext cx="12192000" cy="5595870"/>
+          </a:xfrm>
+          <a:prstGeom prst="rect">
+            <a:avLst/>
+          </a:prstGeom>
+        </p:spPr>
+      </p:pic>
     </p:spTree>
     <p:extLst>
       <p:ext uri="{BB962C8B-B14F-4D97-AF65-F5344CB8AC3E}">
-        <p14:creationId xmlns:p14="http://schemas.microsoft.com/office/powerpoint/2010/main" val="1875383117"/>
+        <p14:creationId xmlns:p14="http://schemas.microsoft.com/office/powerpoint/2010/main" val="2101490899"/>
       </p:ext>
     </p:extLst>
   </p:cSld>
@@ -11323,7 +11308,7 @@
           <a:p>
             <a:r>
               <a:rPr lang="en-US" dirty="0"/>
-              <a:t>Conclusion</a:t>
+              <a:t>References</a:t>
             </a:r>
           </a:p>
         </p:txBody>
@@ -11340,114 +11325,145 @@
         </p:nvSpPr>
         <p:spPr>
           <a:xfrm>
-            <a:off x="2589212" y="1609859"/>
-            <a:ext cx="8915400" cy="4842456"/>
+            <a:off x="2589212" y="2133599"/>
+            <a:ext cx="8915400" cy="4086897"/>
           </a:xfrm>
         </p:spPr>
         <p:txBody>
           <a:bodyPr>
-            <a:normAutofit fontScale="85000" lnSpcReduction="10000"/>
+            <a:normAutofit lnSpcReduction="10000"/>
           </a:bodyPr>
           <a:lstStyle/>
           <a:p>
-            <a:pPr marL="0" indent="0">
-              <a:buNone/>
-            </a:pPr>
-            <a:r>
-              <a:rPr lang="en-US" dirty="0" smtClean="0"/>
-              <a:t>In this project I will learn about the following:-</a:t>
-            </a:r>
-          </a:p>
-          <a:p>
-            <a:r>
-              <a:rPr lang="en-US" dirty="0" smtClean="0"/>
-              <a:t>Design the template using the multiple components in one html page shown in browser.</a:t>
-            </a:r>
-          </a:p>
-          <a:p>
-            <a:r>
-              <a:rPr lang="en-US" dirty="0" smtClean="0"/>
-              <a:t>Connect Angular with Spring Boot using Rest API.</a:t>
-            </a:r>
-          </a:p>
-          <a:p>
-            <a:r>
-              <a:rPr lang="en-US" dirty="0" smtClean="0"/>
-              <a:t>Learn micro-service.</a:t>
-            </a:r>
-          </a:p>
-          <a:p>
-            <a:r>
-              <a:rPr lang="en-US" dirty="0" smtClean="0"/>
-              <a:t>Learn Eureka, and </a:t>
-            </a:r>
-            <a:r>
-              <a:rPr lang="en-US" dirty="0" err="1" smtClean="0"/>
-              <a:t>Zuul</a:t>
-            </a:r>
-            <a:r>
-              <a:rPr lang="en-US" dirty="0" smtClean="0"/>
-              <a:t> Server.</a:t>
-            </a:r>
-          </a:p>
-          <a:p>
-            <a:r>
-              <a:rPr lang="en-US" dirty="0" smtClean="0"/>
-              <a:t>Create a maven dependency in Spring Boot.</a:t>
-            </a:r>
-          </a:p>
-          <a:p>
-            <a:r>
-              <a:rPr lang="en-US" dirty="0" smtClean="0"/>
-              <a:t>Create a Payment Gateway.</a:t>
-            </a:r>
-          </a:p>
-          <a:p>
-            <a:r>
-              <a:rPr lang="en-US" dirty="0" smtClean="0"/>
-              <a:t>Advance Spring Security.</a:t>
-            </a:r>
-          </a:p>
-          <a:p>
-            <a:r>
-              <a:rPr lang="en-US" dirty="0" smtClean="0"/>
-              <a:t>Learn Hibernate validations.</a:t>
-            </a:r>
-          </a:p>
-          <a:p>
-            <a:r>
-              <a:rPr lang="en-US" dirty="0" smtClean="0"/>
-              <a:t>Frontend Angular Validations.</a:t>
-            </a:r>
-          </a:p>
-          <a:p>
-            <a:r>
-              <a:rPr lang="en-US" dirty="0" smtClean="0"/>
-              <a:t>Backend Security.</a:t>
-            </a:r>
-          </a:p>
-          <a:p>
-            <a:r>
-              <a:rPr lang="en-US" dirty="0" smtClean="0"/>
-              <a:t>Social Login.</a:t>
-            </a:r>
-          </a:p>
-          <a:p>
-            <a:r>
-              <a:rPr lang="en-US" dirty="0" smtClean="0"/>
-              <a:t>Spring Payment Gateway.</a:t>
-            </a:r>
-          </a:p>
-          <a:p>
-            <a:r>
-              <a:rPr lang="en-US" dirty="0" smtClean="0"/>
-              <a:t>Multiple Sheet Booking</a:t>
-            </a:r>
-          </a:p>
-          <a:p>
-            <a:pPr marL="0" indent="0">
-              <a:buNone/>
-            </a:pPr>
+            <a:r>
+              <a:rPr lang="en-US" dirty="0">
+                <a:hlinkClick r:id="rId2"/>
+              </a:rPr>
+              <a:t>https://angular.io</a:t>
+            </a:r>
+            <a:r>
+              <a:rPr lang="en-US" dirty="0" smtClean="0">
+                <a:hlinkClick r:id="rId2"/>
+              </a:rPr>
+              <a:t>/</a:t>
+            </a:r>
+            <a:endParaRPr lang="en-US" dirty="0" smtClean="0"/>
+          </a:p>
+          <a:p>
+            <a:r>
+              <a:rPr lang="en-US" dirty="0">
+                <a:hlinkClick r:id="rId3"/>
+              </a:rPr>
+              <a:t>https://</a:t>
+            </a:r>
+            <a:r>
+              <a:rPr lang="en-US" dirty="0" smtClean="0">
+                <a:hlinkClick r:id="rId3"/>
+              </a:rPr>
+              <a:t>spring.io/projects/spring-boot</a:t>
+            </a:r>
+            <a:endParaRPr lang="en-US" dirty="0" smtClean="0"/>
+          </a:p>
+          <a:p>
+            <a:r>
+              <a:rPr lang="en-US" dirty="0">
+                <a:hlinkClick r:id="rId4"/>
+              </a:rPr>
+              <a:t>https://</a:t>
+            </a:r>
+            <a:r>
+              <a:rPr lang="en-US" dirty="0" smtClean="0">
+                <a:hlinkClick r:id="rId4"/>
+              </a:rPr>
+              <a:t>www.tutorialspoint.com/index.htm</a:t>
+            </a:r>
+            <a:endParaRPr lang="en-US" dirty="0" smtClean="0"/>
+          </a:p>
+          <a:p>
+            <a:r>
+              <a:rPr lang="en-US" dirty="0">
+                <a:hlinkClick r:id="rId5"/>
+              </a:rPr>
+              <a:t>https://</a:t>
+            </a:r>
+            <a:r>
+              <a:rPr lang="en-US" dirty="0" smtClean="0">
+                <a:hlinkClick r:id="rId5"/>
+              </a:rPr>
+              <a:t>www.javatpoint.com/</a:t>
+            </a:r>
+            <a:endParaRPr lang="en-US" dirty="0" smtClean="0"/>
+          </a:p>
+          <a:p>
+            <a:r>
+              <a:rPr lang="en-US" dirty="0">
+                <a:hlinkClick r:id="rId6"/>
+              </a:rPr>
+              <a:t>https://youtube.com</a:t>
+            </a:r>
+            <a:r>
+              <a:rPr lang="en-US" dirty="0" smtClean="0">
+                <a:hlinkClick r:id="rId6"/>
+              </a:rPr>
+              <a:t>/</a:t>
+            </a:r>
+            <a:endParaRPr lang="en-US" dirty="0" smtClean="0"/>
+          </a:p>
+          <a:p>
+            <a:r>
+              <a:rPr lang="en-US" dirty="0">
+                <a:hlinkClick r:id="rId7"/>
+              </a:rPr>
+              <a:t>https://www.tutorialspoint.com/spring_boot/spring_boot_eureka_server.htm#:~:</a:t>
+            </a:r>
+            <a:r>
+              <a:rPr lang="en-US" dirty="0" smtClean="0">
+                <a:hlinkClick r:id="rId7"/>
+              </a:rPr>
+              <a:t>text=Eureka%20Server%20is%20an%20application,also%20known%20as%20Discovery%20Server</a:t>
+            </a:r>
+            <a:endParaRPr lang="en-US" dirty="0" smtClean="0"/>
+          </a:p>
+          <a:p>
+            <a:r>
+              <a:rPr lang="en-US" dirty="0">
+                <a:hlinkClick r:id="rId8"/>
+              </a:rPr>
+              <a:t>https://</a:t>
+            </a:r>
+            <a:r>
+              <a:rPr lang="en-US" dirty="0" smtClean="0">
+                <a:hlinkClick r:id="rId8"/>
+              </a:rPr>
+              <a:t>spring.io/microservices</a:t>
+            </a:r>
+            <a:endParaRPr lang="en-US" dirty="0" smtClean="0"/>
+          </a:p>
+          <a:p>
+            <a:r>
+              <a:rPr lang="en-US" dirty="0">
+                <a:hlinkClick r:id="rId9"/>
+              </a:rPr>
+              <a:t>https://</a:t>
+            </a:r>
+            <a:r>
+              <a:rPr lang="en-US" dirty="0" smtClean="0">
+                <a:hlinkClick r:id="rId9"/>
+              </a:rPr>
+              <a:t>dzone.com/articles/service-discovery-with-eureka-and-zuul</a:t>
+            </a:r>
+            <a:endParaRPr lang="en-US" dirty="0" smtClean="0"/>
+          </a:p>
+          <a:p>
+            <a:r>
+              <a:rPr lang="en-US" dirty="0">
+                <a:hlinkClick r:id="rId10"/>
+              </a:rPr>
+              <a:t>https://spring.io/guides/gs/service-registration-and-discovery/</a:t>
+            </a:r>
+            <a:endParaRPr lang="en-US" dirty="0" smtClean="0"/>
+          </a:p>
+          <a:p>
             <a:endParaRPr lang="en-US" dirty="0"/>
           </a:p>
         </p:txBody>
@@ -11455,7 +11471,7 @@
     </p:spTree>
     <p:extLst>
       <p:ext uri="{BB962C8B-B14F-4D97-AF65-F5344CB8AC3E}">
-        <p14:creationId xmlns:p14="http://schemas.microsoft.com/office/powerpoint/2010/main" val="1183840054"/>
+        <p14:creationId xmlns:p14="http://schemas.microsoft.com/office/powerpoint/2010/main" val="1875383117"/>
       </p:ext>
     </p:extLst>
   </p:cSld>
@@ -11499,47 +11515,146 @@
             <p:ph type="title"/>
           </p:nvPr>
         </p:nvSpPr>
+        <p:spPr/>
+        <p:txBody>
+          <a:bodyPr/>
+          <a:lstStyle/>
+          <a:p>
+            <a:r>
+              <a:rPr lang="en-US" dirty="0"/>
+              <a:t>Conclusion</a:t>
+            </a:r>
+          </a:p>
+        </p:txBody>
+      </p:sp>
+      <p:sp>
+        <p:nvSpPr>
+          <p:cNvPr id="3" name="Content Placeholder 2"/>
+          <p:cNvSpPr>
+            <a:spLocks noGrp="1"/>
+          </p:cNvSpPr>
+          <p:nvPr>
+            <p:ph idx="1"/>
+          </p:nvPr>
+        </p:nvSpPr>
         <p:spPr>
-          <a:xfrm rot="20731495">
-            <a:off x="752917" y="1620267"/>
-            <a:ext cx="11147162" cy="3218245"/>
-          </a:xfrm>
-          <a:effectLst>
-            <a:glow rad="228600">
-              <a:schemeClr val="accent3">
-                <a:satMod val="175000"/>
-                <a:alpha val="40000"/>
-              </a:schemeClr>
-            </a:glow>
-          </a:effectLst>
-          <a:scene3d>
-            <a:camera prst="perspectiveContrastingRightFacing"/>
-            <a:lightRig rig="threePt" dir="t"/>
-          </a:scene3d>
+          <a:xfrm>
+            <a:off x="2589212" y="1609859"/>
+            <a:ext cx="8915400" cy="4842456"/>
+          </a:xfrm>
         </p:spPr>
         <p:txBody>
           <a:bodyPr>
-            <a:noAutofit/>
+            <a:normAutofit fontScale="85000" lnSpcReduction="10000"/>
           </a:bodyPr>
           <a:lstStyle/>
           <a:p>
-            <a:pPr algn="ctr"/>
-            <a:r>
-              <a:rPr lang="en-US" sz="19900" dirty="0" smtClean="0">
-                <a:latin typeface="Edwardian Script ITC" panose="030303020407070D0804" pitchFamily="66" charset="0"/>
-              </a:rPr>
-              <a:t>Thank you</a:t>
-            </a:r>
-            <a:endParaRPr lang="en-US" sz="19900" dirty="0">
-              <a:latin typeface="Edwardian Script ITC" panose="030303020407070D0804" pitchFamily="66" charset="0"/>
-            </a:endParaRPr>
+            <a:pPr marL="0" indent="0">
+              <a:buNone/>
+            </a:pPr>
+            <a:r>
+              <a:rPr lang="en-US" dirty="0" smtClean="0"/>
+              <a:t>In this project I will learn about the following:-</a:t>
+            </a:r>
+          </a:p>
+          <a:p>
+            <a:r>
+              <a:rPr lang="en-US" dirty="0" smtClean="0"/>
+              <a:t>Design the template using the multiple components in one html page shown in browser.</a:t>
+            </a:r>
+          </a:p>
+          <a:p>
+            <a:r>
+              <a:rPr lang="en-US" dirty="0" smtClean="0"/>
+              <a:t>Connect Angular with Spring Boot using Rest API.</a:t>
+            </a:r>
+          </a:p>
+          <a:p>
+            <a:r>
+              <a:rPr lang="en-US" dirty="0" smtClean="0"/>
+              <a:t>Learn micro-service.</a:t>
+            </a:r>
+          </a:p>
+          <a:p>
+            <a:r>
+              <a:rPr lang="en-US" dirty="0" smtClean="0"/>
+              <a:t>Learn Eureka, and </a:t>
+            </a:r>
+            <a:r>
+              <a:rPr lang="en-US" dirty="0" err="1" smtClean="0"/>
+              <a:t>Zuul</a:t>
+            </a:r>
+            <a:r>
+              <a:rPr lang="en-US" dirty="0" smtClean="0"/>
+              <a:t> Server.</a:t>
+            </a:r>
+          </a:p>
+          <a:p>
+            <a:r>
+              <a:rPr lang="en-US" dirty="0" smtClean="0"/>
+              <a:t>Create a maven dependency in Spring Boot.</a:t>
+            </a:r>
+          </a:p>
+          <a:p>
+            <a:r>
+              <a:rPr lang="en-US" dirty="0" smtClean="0"/>
+              <a:t>Create a Payment Gateway.</a:t>
+            </a:r>
+          </a:p>
+          <a:p>
+            <a:r>
+              <a:rPr lang="en-US" dirty="0" smtClean="0"/>
+              <a:t>Advance Spring Security.</a:t>
+            </a:r>
+          </a:p>
+          <a:p>
+            <a:r>
+              <a:rPr lang="en-US" dirty="0" smtClean="0"/>
+              <a:t>Learn Hibernate validations.</a:t>
+            </a:r>
+          </a:p>
+          <a:p>
+            <a:r>
+              <a:rPr lang="en-US" dirty="0" smtClean="0"/>
+              <a:t>Frontend Angular Validations.</a:t>
+            </a:r>
+          </a:p>
+          <a:p>
+            <a:r>
+              <a:rPr lang="en-US" dirty="0" smtClean="0"/>
+              <a:t>Backend Security.</a:t>
+            </a:r>
+          </a:p>
+          <a:p>
+            <a:r>
+              <a:rPr lang="en-US" dirty="0" smtClean="0"/>
+              <a:t>Social Login.</a:t>
+            </a:r>
+          </a:p>
+          <a:p>
+            <a:r>
+              <a:rPr lang="en-US" dirty="0" smtClean="0"/>
+              <a:t>Spring Payment Gateway.</a:t>
+            </a:r>
+          </a:p>
+          <a:p>
+            <a:r>
+              <a:rPr lang="en-US" dirty="0" smtClean="0"/>
+              <a:t>Multiple Sheet Booking</a:t>
+            </a:r>
+          </a:p>
+          <a:p>
+            <a:pPr marL="0" indent="0">
+              <a:buNone/>
+            </a:pPr>
+            <a:endParaRPr lang="en-US" dirty="0"/>
           </a:p>
         </p:txBody>
       </p:sp>
     </p:spTree>
     <p:extLst>
       <p:ext uri="{BB962C8B-B14F-4D97-AF65-F5344CB8AC3E}">
-        <p14:creationId xmlns:p14="http://schemas.microsoft.com/office/powerpoint/2010/main" val="1715652089"/>
+        <p14:creationId xmlns:p14="http://schemas.microsoft.com/office/powerpoint/2010/main" val="1183840054"/>
       </p:ext>
     </p:extLst>
   </p:cSld>
@@ -11677,6 +11792,90 @@
     <p:extLst>
       <p:ext uri="{BB962C8B-B14F-4D97-AF65-F5344CB8AC3E}">
         <p14:creationId xmlns:p14="http://schemas.microsoft.com/office/powerpoint/2010/main" val="2022464732"/>
+      </p:ext>
+    </p:extLst>
+  </p:cSld>
+  <p:clrMapOvr>
+    <a:masterClrMapping/>
+  </p:clrMapOvr>
+  <p:timing>
+    <p:tnLst>
+      <p:par>
+        <p:cTn id="1" dur="indefinite" restart="never" nodeType="tmRoot"/>
+      </p:par>
+    </p:tnLst>
+  </p:timing>
+</p:sld>
+</file>
+
+<file path=ppt/slides/slide40.xml><?xml version="1.0" encoding="utf-8"?>
+<p:sld xmlns:a="http://schemas.openxmlformats.org/drawingml/2006/main" xmlns:r="http://schemas.openxmlformats.org/officeDocument/2006/relationships" xmlns:p="http://schemas.openxmlformats.org/presentationml/2006/main">
+  <p:cSld>
+    <p:spTree>
+      <p:nvGrpSpPr>
+        <p:cNvPr id="1" name=""/>
+        <p:cNvGrpSpPr/>
+        <p:nvPr/>
+      </p:nvGrpSpPr>
+      <p:grpSpPr>
+        <a:xfrm>
+          <a:off x="0" y="0"/>
+          <a:ext cx="0" cy="0"/>
+          <a:chOff x="0" y="0"/>
+          <a:chExt cx="0" cy="0"/>
+        </a:xfrm>
+      </p:grpSpPr>
+      <p:sp>
+        <p:nvSpPr>
+          <p:cNvPr id="2" name="Title 1"/>
+          <p:cNvSpPr>
+            <a:spLocks noGrp="1"/>
+          </p:cNvSpPr>
+          <p:nvPr>
+            <p:ph type="title"/>
+          </p:nvPr>
+        </p:nvSpPr>
+        <p:spPr>
+          <a:xfrm rot="20731495">
+            <a:off x="752917" y="1620267"/>
+            <a:ext cx="11147162" cy="3218245"/>
+          </a:xfrm>
+          <a:effectLst>
+            <a:glow rad="228600">
+              <a:schemeClr val="accent3">
+                <a:satMod val="175000"/>
+                <a:alpha val="40000"/>
+              </a:schemeClr>
+            </a:glow>
+          </a:effectLst>
+          <a:scene3d>
+            <a:camera prst="perspectiveContrastingRightFacing"/>
+            <a:lightRig rig="threePt" dir="t"/>
+          </a:scene3d>
+        </p:spPr>
+        <p:txBody>
+          <a:bodyPr>
+            <a:noAutofit/>
+          </a:bodyPr>
+          <a:lstStyle/>
+          <a:p>
+            <a:pPr algn="ctr"/>
+            <a:r>
+              <a:rPr lang="en-US" sz="19900" dirty="0" smtClean="0">
+                <a:latin typeface="Edwardian Script ITC" panose="030303020407070D0804" pitchFamily="66" charset="0"/>
+              </a:rPr>
+              <a:t>Thank you</a:t>
+            </a:r>
+            <a:endParaRPr lang="en-US" sz="19900" dirty="0">
+              <a:latin typeface="Edwardian Script ITC" panose="030303020407070D0804" pitchFamily="66" charset="0"/>
+            </a:endParaRPr>
+          </a:p>
+        </p:txBody>
+      </p:sp>
+    </p:spTree>
+    <p:extLst>
+      <p:ext uri="{BB962C8B-B14F-4D97-AF65-F5344CB8AC3E}">
+        <p14:creationId xmlns:p14="http://schemas.microsoft.com/office/powerpoint/2010/main" val="1715652089"/>
       </p:ext>
     </p:extLst>
   </p:cSld>
